--- a/ppt/js/JavaScript初级教程.pptx
+++ b/ppt/js/JavaScript初级教程.pptx
@@ -4348,6 +4348,13 @@
       </p:transition>
     </mc:Fallback>
   </mc:AlternateContent>
+  <p:timing>
+    <p:tnLst>
+      <p:par>
+        <p:cTn id="1" dur="indefinite" restart="never" nodeType="tmRoot"/>
+      </p:par>
+    </p:tnLst>
+  </p:timing>
 </p:sld>
 </file>
 
@@ -4627,6 +4634,13 @@
       </p:transition>
     </mc:Fallback>
   </mc:AlternateContent>
+  <p:timing>
+    <p:tnLst>
+      <p:par>
+        <p:cTn id="1" dur="indefinite" restart="never" nodeType="tmRoot"/>
+      </p:par>
+    </p:tnLst>
+  </p:timing>
 </p:sld>
 </file>
 
@@ -4822,6 +4836,13 @@
       </p:transition>
     </mc:Fallback>
   </mc:AlternateContent>
+  <p:timing>
+    <p:tnLst>
+      <p:par>
+        <p:cTn id="1" dur="indefinite" restart="never" nodeType="tmRoot"/>
+      </p:par>
+    </p:tnLst>
+  </p:timing>
 </p:sld>
 </file>
 
@@ -5312,6 +5333,13 @@
       </p:transition>
     </mc:Fallback>
   </mc:AlternateContent>
+  <p:timing>
+    <p:tnLst>
+      <p:par>
+        <p:cTn id="1" dur="indefinite" restart="never" nodeType="tmRoot"/>
+      </p:par>
+    </p:tnLst>
+  </p:timing>
 </p:sld>
 </file>
 
@@ -5793,6 +5821,13 @@
       </p:transition>
     </mc:Fallback>
   </mc:AlternateContent>
+  <p:timing>
+    <p:tnLst>
+      <p:par>
+        <p:cTn id="1" dur="indefinite" restart="never" nodeType="tmRoot"/>
+      </p:par>
+    </p:tnLst>
+  </p:timing>
 </p:sld>
 </file>
 
@@ -6352,6 +6387,13 @@
       </p:transition>
     </mc:Fallback>
   </mc:AlternateContent>
+  <p:timing>
+    <p:tnLst>
+      <p:par>
+        <p:cTn id="1" dur="indefinite" restart="never" nodeType="tmRoot"/>
+      </p:par>
+    </p:tnLst>
+  </p:timing>
 </p:sld>
 </file>
 
@@ -7045,6 +7087,13 @@
       </p:transition>
     </mc:Fallback>
   </mc:AlternateContent>
+  <p:timing>
+    <p:tnLst>
+      <p:par>
+        <p:cTn id="1" dur="indefinite" restart="never" nodeType="tmRoot"/>
+      </p:par>
+    </p:tnLst>
+  </p:timing>
 </p:sld>
 </file>
 
@@ -7709,6 +7758,13 @@
       </p:transition>
     </mc:Fallback>
   </mc:AlternateContent>
+  <p:timing>
+    <p:tnLst>
+      <p:par>
+        <p:cTn id="1" dur="indefinite" restart="never" nodeType="tmRoot"/>
+      </p:par>
+    </p:tnLst>
+  </p:timing>
 </p:sld>
 </file>
 
@@ -8382,6 +8438,13 @@
       </p:transition>
     </mc:Fallback>
   </mc:AlternateContent>
+  <p:timing>
+    <p:tnLst>
+      <p:par>
+        <p:cTn id="1" dur="indefinite" restart="never" nodeType="tmRoot"/>
+      </p:par>
+    </p:tnLst>
+  </p:timing>
 </p:sld>
 </file>
 
@@ -8734,6 +8797,13 @@
       </p:transition>
     </mc:Fallback>
   </mc:AlternateContent>
+  <p:timing>
+    <p:tnLst>
+      <p:par>
+        <p:cTn id="1" dur="indefinite" restart="never" nodeType="tmRoot"/>
+      </p:par>
+    </p:tnLst>
+  </p:timing>
 </p:sld>
 </file>
 
@@ -9273,6 +9343,13 @@
       </p:transition>
     </mc:Fallback>
   </mc:AlternateContent>
+  <p:timing>
+    <p:tnLst>
+      <p:par>
+        <p:cTn id="1" dur="indefinite" restart="never" nodeType="tmRoot"/>
+      </p:par>
+    </p:tnLst>
+  </p:timing>
 </p:sld>
 </file>
 
@@ -9336,7 +9413,9 @@
         </p:nvSpPr>
         <p:spPr/>
         <p:txBody>
-          <a:bodyPr/>
+          <a:bodyPr>
+            <a:normAutofit fontScale="92500" lnSpcReduction="20000"/>
+          </a:bodyPr>
           <a:lstStyle/>
           <a:p>
             <a:r>
@@ -9447,7 +9526,60 @@
             </a:r>
             <a:r>
               <a:rPr lang="zh-CN" altLang="en-US" dirty="0" smtClean="0"/>
-              <a:t>内置对象</a:t>
+              <a:t>内置</a:t>
+            </a:r>
+            <a:r>
+              <a:rPr lang="zh-CN" altLang="en-US" dirty="0" smtClean="0"/>
+              <a:t>对象</a:t>
+            </a:r>
+            <a:endParaRPr lang="en-US" altLang="zh-CN" dirty="0" smtClean="0"/>
+          </a:p>
+          <a:p>
+            <a:r>
+              <a:rPr lang="en-US" altLang="zh-CN" dirty="0" smtClean="0"/>
+              <a:t>7</a:t>
+            </a:r>
+            <a:r>
+              <a:rPr lang="zh-CN" altLang="en-US" dirty="0" smtClean="0"/>
+              <a:t>、</a:t>
+            </a:r>
+            <a:r>
+              <a:rPr lang="en-US" altLang="zh-CN" dirty="0" err="1" smtClean="0"/>
+              <a:t>Javascript</a:t>
+            </a:r>
+            <a:r>
+              <a:rPr lang="zh-CN" altLang="en-US" dirty="0" smtClean="0"/>
+              <a:t>变量</a:t>
+            </a:r>
+            <a:endParaRPr lang="en-US" altLang="zh-CN" dirty="0" smtClean="0"/>
+          </a:p>
+          <a:p>
+            <a:r>
+              <a:rPr lang="en-US" altLang="zh-CN" dirty="0" smtClean="0"/>
+              <a:t>8</a:t>
+            </a:r>
+            <a:r>
+              <a:rPr lang="zh-CN" altLang="en-US" dirty="0" smtClean="0"/>
+              <a:t>、运算符</a:t>
+            </a:r>
+            <a:endParaRPr lang="en-US" altLang="zh-CN" dirty="0" smtClean="0"/>
+          </a:p>
+          <a:p>
+            <a:r>
+              <a:rPr lang="en-US" altLang="zh-CN" dirty="0" smtClean="0"/>
+              <a:t>9</a:t>
+            </a:r>
+            <a:r>
+              <a:rPr lang="zh-CN" altLang="en-US" dirty="0" smtClean="0"/>
+              <a:t>、</a:t>
+            </a:r>
+            <a:r>
+              <a:rPr lang="en-US" altLang="zh-CN" dirty="0" err="1" smtClean="0"/>
+              <a:t>Javascript</a:t>
+            </a:r>
+            <a:r>
+              <a:rPr lang="zh-CN" altLang="en-US" dirty="0" smtClean="0"/>
+              <a:t>语句</a:t>
             </a:r>
             <a:endParaRPr lang="en-US" altLang="zh-CN" dirty="0" smtClean="0"/>
           </a:p>
@@ -9481,6 +9613,13 @@
       </p:transition>
     </mc:Fallback>
   </mc:AlternateContent>
+  <p:timing>
+    <p:tnLst>
+      <p:par>
+        <p:cTn id="1" dur="indefinite" restart="never" nodeType="tmRoot"/>
+      </p:par>
+    </p:tnLst>
+  </p:timing>
 </p:sld>
 </file>
 
@@ -10851,6 +10990,13 @@
       </p:transition>
     </mc:Fallback>
   </mc:AlternateContent>
+  <p:timing>
+    <p:tnLst>
+      <p:par>
+        <p:cTn id="1" dur="indefinite" restart="never" nodeType="tmRoot"/>
+      </p:par>
+    </p:tnLst>
+  </p:timing>
 </p:sld>
 </file>
 
@@ -11168,6 +11314,13 @@
       </p:transition>
     </mc:Fallback>
   </mc:AlternateContent>
+  <p:timing>
+    <p:tnLst>
+      <p:par>
+        <p:cTn id="1" dur="indefinite" restart="never" nodeType="tmRoot"/>
+      </p:par>
+    </p:tnLst>
+  </p:timing>
 </p:sld>
 </file>
 
@@ -11988,6 +12141,13 @@
       </p:transition>
     </mc:Fallback>
   </mc:AlternateContent>
+  <p:timing>
+    <p:tnLst>
+      <p:par>
+        <p:cTn id="1" dur="indefinite" restart="never" nodeType="tmRoot"/>
+      </p:par>
+    </p:tnLst>
+  </p:timing>
 </p:sld>
 </file>
 
@@ -12305,6 +12465,13 @@
       </p:transition>
     </mc:Fallback>
   </mc:AlternateContent>
+  <p:timing>
+    <p:tnLst>
+      <p:par>
+        <p:cTn id="1" dur="indefinite" restart="never" nodeType="tmRoot"/>
+      </p:par>
+    </p:tnLst>
+  </p:timing>
 </p:sld>
 </file>
 
@@ -12954,6 +13121,13 @@
       </p:transition>
     </mc:Fallback>
   </mc:AlternateContent>
+  <p:timing>
+    <p:tnLst>
+      <p:par>
+        <p:cTn id="1" dur="indefinite" restart="never" nodeType="tmRoot"/>
+      </p:par>
+    </p:tnLst>
+  </p:timing>
 </p:sld>
 </file>
 
@@ -13519,6 +13693,13 @@
       </p:transition>
     </mc:Fallback>
   </mc:AlternateContent>
+  <p:timing>
+    <p:tnLst>
+      <p:par>
+        <p:cTn id="1" dur="indefinite" restart="never" nodeType="tmRoot"/>
+      </p:par>
+    </p:tnLst>
+  </p:timing>
 </p:sld>
 </file>
 
@@ -14107,6 +14288,13 @@
       </p:transition>
     </mc:Fallback>
   </mc:AlternateContent>
+  <p:timing>
+    <p:tnLst>
+      <p:par>
+        <p:cTn id="1" dur="indefinite" restart="never" nodeType="tmRoot"/>
+      </p:par>
+    </p:tnLst>
+  </p:timing>
 </p:sld>
 </file>
 
@@ -14446,21 +14634,21 @@
                 <a:gridCol w="1440160">
                   <a:extLst>
                     <a:ext uri="{9D8B030D-6E8A-4147-A177-3AD203B41FA5}">
-                      <a16:colId xmlns:a16="http://schemas.microsoft.com/office/drawing/2014/main" xmlns="" val="675992682"/>
+                      <a16:colId xmlns="" xmlns:a16="http://schemas.microsoft.com/office/drawing/2014/main" val="675992682"/>
                     </a:ext>
                   </a:extLst>
                 </a:gridCol>
                 <a:gridCol w="5472608">
                   <a:extLst>
                     <a:ext uri="{9D8B030D-6E8A-4147-A177-3AD203B41FA5}">
-                      <a16:colId xmlns:a16="http://schemas.microsoft.com/office/drawing/2014/main" xmlns="" val="2437441689"/>
+                      <a16:colId xmlns="" xmlns:a16="http://schemas.microsoft.com/office/drawing/2014/main" val="2437441689"/>
                     </a:ext>
                   </a:extLst>
                 </a:gridCol>
                 <a:gridCol w="1440160">
                   <a:extLst>
                     <a:ext uri="{9D8B030D-6E8A-4147-A177-3AD203B41FA5}">
-                      <a16:colId xmlns:a16="http://schemas.microsoft.com/office/drawing/2014/main" xmlns="" val="304556107"/>
+                      <a16:colId xmlns="" xmlns:a16="http://schemas.microsoft.com/office/drawing/2014/main" val="304556107"/>
                     </a:ext>
                   </a:extLst>
                 </a:gridCol>
@@ -14507,7 +14695,7 @@
                 </a:tc>
                 <a:extLst>
                   <a:ext uri="{0D108BD9-81ED-4DB2-BD59-A6C34878D82A}">
-                    <a16:rowId xmlns:a16="http://schemas.microsoft.com/office/drawing/2014/main" xmlns="" val="546494783"/>
+                    <a16:rowId xmlns="" xmlns:a16="http://schemas.microsoft.com/office/drawing/2014/main" val="546494783"/>
                   </a:ext>
                 </a:extLst>
               </a:tr>
@@ -14555,7 +14743,7 @@
                 </a:tc>
                 <a:extLst>
                   <a:ext uri="{0D108BD9-81ED-4DB2-BD59-A6C34878D82A}">
-                    <a16:rowId xmlns:a16="http://schemas.microsoft.com/office/drawing/2014/main" xmlns="" val="3819356858"/>
+                    <a16:rowId xmlns="" xmlns:a16="http://schemas.microsoft.com/office/drawing/2014/main" val="3819356858"/>
                   </a:ext>
                 </a:extLst>
               </a:tr>
@@ -14603,7 +14791,7 @@
                 </a:tc>
                 <a:extLst>
                   <a:ext uri="{0D108BD9-81ED-4DB2-BD59-A6C34878D82A}">
-                    <a16:rowId xmlns:a16="http://schemas.microsoft.com/office/drawing/2014/main" xmlns="" val="2099491636"/>
+                    <a16:rowId xmlns="" xmlns:a16="http://schemas.microsoft.com/office/drawing/2014/main" val="2099491636"/>
                   </a:ext>
                 </a:extLst>
               </a:tr>
@@ -14650,7 +14838,7 @@
                 </a:tc>
                 <a:extLst>
                   <a:ext uri="{0D108BD9-81ED-4DB2-BD59-A6C34878D82A}">
-                    <a16:rowId xmlns:a16="http://schemas.microsoft.com/office/drawing/2014/main" xmlns="" val="513822293"/>
+                    <a16:rowId xmlns="" xmlns:a16="http://schemas.microsoft.com/office/drawing/2014/main" val="513822293"/>
                   </a:ext>
                 </a:extLst>
               </a:tr>
@@ -14698,7 +14886,7 @@
                 </a:tc>
                 <a:extLst>
                   <a:ext uri="{0D108BD9-81ED-4DB2-BD59-A6C34878D82A}">
-                    <a16:rowId xmlns:a16="http://schemas.microsoft.com/office/drawing/2014/main" xmlns="" val="301125140"/>
+                    <a16:rowId xmlns="" xmlns:a16="http://schemas.microsoft.com/office/drawing/2014/main" val="301125140"/>
                   </a:ext>
                 </a:extLst>
               </a:tr>
@@ -14745,7 +14933,7 @@
                 </a:tc>
                 <a:extLst>
                   <a:ext uri="{0D108BD9-81ED-4DB2-BD59-A6C34878D82A}">
-                    <a16:rowId xmlns:a16="http://schemas.microsoft.com/office/drawing/2014/main" xmlns="" val="1032011197"/>
+                    <a16:rowId xmlns="" xmlns:a16="http://schemas.microsoft.com/office/drawing/2014/main" val="1032011197"/>
                   </a:ext>
                 </a:extLst>
               </a:tr>
@@ -14775,6 +14963,13 @@
       </p:transition>
     </mc:Fallback>
   </mc:AlternateContent>
+  <p:timing>
+    <p:tnLst>
+      <p:par>
+        <p:cTn id="1" dur="indefinite" restart="never" nodeType="tmRoot"/>
+      </p:par>
+    </p:tnLst>
+  </p:timing>
 </p:sld>
 </file>
 
@@ -14878,21 +15073,21 @@
                 <a:gridCol w="1728192">
                   <a:extLst>
                     <a:ext uri="{9D8B030D-6E8A-4147-A177-3AD203B41FA5}">
-                      <a16:colId xmlns:a16="http://schemas.microsoft.com/office/drawing/2014/main" xmlns="" val="3974842544"/>
+                      <a16:colId xmlns="" xmlns:a16="http://schemas.microsoft.com/office/drawing/2014/main" val="3974842544"/>
                     </a:ext>
                   </a:extLst>
                 </a:gridCol>
                 <a:gridCol w="5184576">
                   <a:extLst>
                     <a:ext uri="{9D8B030D-6E8A-4147-A177-3AD203B41FA5}">
-                      <a16:colId xmlns:a16="http://schemas.microsoft.com/office/drawing/2014/main" xmlns="" val="786645796"/>
+                      <a16:colId xmlns="" xmlns:a16="http://schemas.microsoft.com/office/drawing/2014/main" val="786645796"/>
                     </a:ext>
                   </a:extLst>
                 </a:gridCol>
                 <a:gridCol w="1440160">
                   <a:extLst>
                     <a:ext uri="{9D8B030D-6E8A-4147-A177-3AD203B41FA5}">
-                      <a16:colId xmlns:a16="http://schemas.microsoft.com/office/drawing/2014/main" xmlns="" val="2408294006"/>
+                      <a16:colId xmlns="" xmlns:a16="http://schemas.microsoft.com/office/drawing/2014/main" val="2408294006"/>
                     </a:ext>
                   </a:extLst>
                 </a:gridCol>
@@ -14939,7 +15134,7 @@
                 </a:tc>
                 <a:extLst>
                   <a:ext uri="{0D108BD9-81ED-4DB2-BD59-A6C34878D82A}">
-                    <a16:rowId xmlns:a16="http://schemas.microsoft.com/office/drawing/2014/main" xmlns="" val="2522839197"/>
+                    <a16:rowId xmlns="" xmlns:a16="http://schemas.microsoft.com/office/drawing/2014/main" val="2522839197"/>
                   </a:ext>
                 </a:extLst>
               </a:tr>
@@ -15033,7 +15228,7 @@
                 </a:tc>
                 <a:extLst>
                   <a:ext uri="{0D108BD9-81ED-4DB2-BD59-A6C34878D82A}">
-                    <a16:rowId xmlns:a16="http://schemas.microsoft.com/office/drawing/2014/main" xmlns="" val="2085448233"/>
+                    <a16:rowId xmlns="" xmlns:a16="http://schemas.microsoft.com/office/drawing/2014/main" val="2085448233"/>
                   </a:ext>
                 </a:extLst>
               </a:tr>
@@ -15089,7 +15284,7 @@
                 </a:tc>
                 <a:extLst>
                   <a:ext uri="{0D108BD9-81ED-4DB2-BD59-A6C34878D82A}">
-                    <a16:rowId xmlns:a16="http://schemas.microsoft.com/office/drawing/2014/main" xmlns="" val="479664106"/>
+                    <a16:rowId xmlns="" xmlns:a16="http://schemas.microsoft.com/office/drawing/2014/main" val="479664106"/>
                   </a:ext>
                 </a:extLst>
               </a:tr>
@@ -15137,7 +15332,7 @@
                 </a:tc>
                 <a:extLst>
                   <a:ext uri="{0D108BD9-81ED-4DB2-BD59-A6C34878D82A}">
-                    <a16:rowId xmlns:a16="http://schemas.microsoft.com/office/drawing/2014/main" xmlns="" val="2812829691"/>
+                    <a16:rowId xmlns="" xmlns:a16="http://schemas.microsoft.com/office/drawing/2014/main" val="2812829691"/>
                   </a:ext>
                 </a:extLst>
               </a:tr>
@@ -15185,7 +15380,7 @@
                 </a:tc>
                 <a:extLst>
                   <a:ext uri="{0D108BD9-81ED-4DB2-BD59-A6C34878D82A}">
-                    <a16:rowId xmlns:a16="http://schemas.microsoft.com/office/drawing/2014/main" xmlns="" val="3065207093"/>
+                    <a16:rowId xmlns="" xmlns:a16="http://schemas.microsoft.com/office/drawing/2014/main" val="3065207093"/>
                   </a:ext>
                 </a:extLst>
               </a:tr>
@@ -15241,7 +15436,7 @@
                 </a:tc>
                 <a:extLst>
                   <a:ext uri="{0D108BD9-81ED-4DB2-BD59-A6C34878D82A}">
-                    <a16:rowId xmlns:a16="http://schemas.microsoft.com/office/drawing/2014/main" xmlns="" val="2637843800"/>
+                    <a16:rowId xmlns="" xmlns:a16="http://schemas.microsoft.com/office/drawing/2014/main" val="2637843800"/>
                   </a:ext>
                 </a:extLst>
               </a:tr>
@@ -15289,7 +15484,7 @@
                 </a:tc>
                 <a:extLst>
                   <a:ext uri="{0D108BD9-81ED-4DB2-BD59-A6C34878D82A}">
-                    <a16:rowId xmlns:a16="http://schemas.microsoft.com/office/drawing/2014/main" xmlns="" val="2492110030"/>
+                    <a16:rowId xmlns="" xmlns:a16="http://schemas.microsoft.com/office/drawing/2014/main" val="2492110030"/>
                   </a:ext>
                 </a:extLst>
               </a:tr>
@@ -15337,7 +15532,7 @@
                 </a:tc>
                 <a:extLst>
                   <a:ext uri="{0D108BD9-81ED-4DB2-BD59-A6C34878D82A}">
-                    <a16:rowId xmlns:a16="http://schemas.microsoft.com/office/drawing/2014/main" xmlns="" val="930772148"/>
+                    <a16:rowId xmlns="" xmlns:a16="http://schemas.microsoft.com/office/drawing/2014/main" val="930772148"/>
                   </a:ext>
                 </a:extLst>
               </a:tr>
@@ -15385,7 +15580,7 @@
                 </a:tc>
                 <a:extLst>
                   <a:ext uri="{0D108BD9-81ED-4DB2-BD59-A6C34878D82A}">
-                    <a16:rowId xmlns:a16="http://schemas.microsoft.com/office/drawing/2014/main" xmlns="" val="2968282085"/>
+                    <a16:rowId xmlns="" xmlns:a16="http://schemas.microsoft.com/office/drawing/2014/main" val="2968282085"/>
                   </a:ext>
                 </a:extLst>
               </a:tr>
@@ -15433,7 +15628,7 @@
                 </a:tc>
                 <a:extLst>
                   <a:ext uri="{0D108BD9-81ED-4DB2-BD59-A6C34878D82A}">
-                    <a16:rowId xmlns:a16="http://schemas.microsoft.com/office/drawing/2014/main" xmlns="" val="2235800461"/>
+                    <a16:rowId xmlns="" xmlns:a16="http://schemas.microsoft.com/office/drawing/2014/main" val="2235800461"/>
                   </a:ext>
                 </a:extLst>
               </a:tr>
@@ -15463,6 +15658,13 @@
       </p:transition>
     </mc:Fallback>
   </mc:AlternateContent>
+  <p:timing>
+    <p:tnLst>
+      <p:par>
+        <p:cTn id="1" dur="indefinite" restart="never" nodeType="tmRoot"/>
+      </p:par>
+    </p:tnLst>
+  </p:timing>
 </p:sld>
 </file>
 
@@ -15566,21 +15768,21 @@
                 <a:gridCol w="1728192">
                   <a:extLst>
                     <a:ext uri="{9D8B030D-6E8A-4147-A177-3AD203B41FA5}">
-                      <a16:colId xmlns:a16="http://schemas.microsoft.com/office/drawing/2014/main" xmlns="" val="3974842544"/>
+                      <a16:colId xmlns="" xmlns:a16="http://schemas.microsoft.com/office/drawing/2014/main" val="3974842544"/>
                     </a:ext>
                   </a:extLst>
                 </a:gridCol>
                 <a:gridCol w="5184576">
                   <a:extLst>
                     <a:ext uri="{9D8B030D-6E8A-4147-A177-3AD203B41FA5}">
-                      <a16:colId xmlns:a16="http://schemas.microsoft.com/office/drawing/2014/main" xmlns="" val="786645796"/>
+                      <a16:colId xmlns="" xmlns:a16="http://schemas.microsoft.com/office/drawing/2014/main" val="786645796"/>
                     </a:ext>
                   </a:extLst>
                 </a:gridCol>
                 <a:gridCol w="1440160">
                   <a:extLst>
                     <a:ext uri="{9D8B030D-6E8A-4147-A177-3AD203B41FA5}">
-                      <a16:colId xmlns:a16="http://schemas.microsoft.com/office/drawing/2014/main" xmlns="" val="2408294006"/>
+                      <a16:colId xmlns="" xmlns:a16="http://schemas.microsoft.com/office/drawing/2014/main" val="2408294006"/>
                     </a:ext>
                   </a:extLst>
                 </a:gridCol>
@@ -15627,7 +15829,7 @@
                 </a:tc>
                 <a:extLst>
                   <a:ext uri="{0D108BD9-81ED-4DB2-BD59-A6C34878D82A}">
-                    <a16:rowId xmlns:a16="http://schemas.microsoft.com/office/drawing/2014/main" xmlns="" val="2522839197"/>
+                    <a16:rowId xmlns="" xmlns:a16="http://schemas.microsoft.com/office/drawing/2014/main" val="2522839197"/>
                   </a:ext>
                 </a:extLst>
               </a:tr>
@@ -15709,7 +15911,7 @@
                 </a:tc>
                 <a:extLst>
                   <a:ext uri="{0D108BD9-81ED-4DB2-BD59-A6C34878D82A}">
-                    <a16:rowId xmlns:a16="http://schemas.microsoft.com/office/drawing/2014/main" xmlns="" val="2085448233"/>
+                    <a16:rowId xmlns="" xmlns:a16="http://schemas.microsoft.com/office/drawing/2014/main" val="2085448233"/>
                   </a:ext>
                 </a:extLst>
               </a:tr>
@@ -15757,7 +15959,7 @@
                 </a:tc>
                 <a:extLst>
                   <a:ext uri="{0D108BD9-81ED-4DB2-BD59-A6C34878D82A}">
-                    <a16:rowId xmlns:a16="http://schemas.microsoft.com/office/drawing/2014/main" xmlns="" val="479664106"/>
+                    <a16:rowId xmlns="" xmlns:a16="http://schemas.microsoft.com/office/drawing/2014/main" val="479664106"/>
                   </a:ext>
                 </a:extLst>
               </a:tr>
@@ -15805,7 +16007,7 @@
                 </a:tc>
                 <a:extLst>
                   <a:ext uri="{0D108BD9-81ED-4DB2-BD59-A6C34878D82A}">
-                    <a16:rowId xmlns:a16="http://schemas.microsoft.com/office/drawing/2014/main" xmlns="" val="2812829691"/>
+                    <a16:rowId xmlns="" xmlns:a16="http://schemas.microsoft.com/office/drawing/2014/main" val="2812829691"/>
                   </a:ext>
                 </a:extLst>
               </a:tr>
@@ -15853,7 +16055,7 @@
                 </a:tc>
                 <a:extLst>
                   <a:ext uri="{0D108BD9-81ED-4DB2-BD59-A6C34878D82A}">
-                    <a16:rowId xmlns:a16="http://schemas.microsoft.com/office/drawing/2014/main" xmlns="" val="3065207093"/>
+                    <a16:rowId xmlns="" xmlns:a16="http://schemas.microsoft.com/office/drawing/2014/main" val="3065207093"/>
                   </a:ext>
                 </a:extLst>
               </a:tr>
@@ -15901,7 +16103,7 @@
                 </a:tc>
                 <a:extLst>
                   <a:ext uri="{0D108BD9-81ED-4DB2-BD59-A6C34878D82A}">
-                    <a16:rowId xmlns:a16="http://schemas.microsoft.com/office/drawing/2014/main" xmlns="" val="2637843800"/>
+                    <a16:rowId xmlns="" xmlns:a16="http://schemas.microsoft.com/office/drawing/2014/main" val="2637843800"/>
                   </a:ext>
                 </a:extLst>
               </a:tr>
@@ -15953,7 +16155,7 @@
                 </a:tc>
                 <a:extLst>
                   <a:ext uri="{0D108BD9-81ED-4DB2-BD59-A6C34878D82A}">
-                    <a16:rowId xmlns:a16="http://schemas.microsoft.com/office/drawing/2014/main" xmlns="" val="2492110030"/>
+                    <a16:rowId xmlns="" xmlns:a16="http://schemas.microsoft.com/office/drawing/2014/main" val="2492110030"/>
                   </a:ext>
                 </a:extLst>
               </a:tr>
@@ -15983,6 +16185,13 @@
       </p:transition>
     </mc:Fallback>
   </mc:AlternateContent>
+  <p:timing>
+    <p:tnLst>
+      <p:par>
+        <p:cTn id="1" dur="indefinite" restart="never" nodeType="tmRoot"/>
+      </p:par>
+    </p:tnLst>
+  </p:timing>
 </p:sld>
 </file>
 
@@ -16215,6 +16424,13 @@
       </p:transition>
     </mc:Fallback>
   </mc:AlternateContent>
+  <p:timing>
+    <p:tnLst>
+      <p:par>
+        <p:cTn id="1" dur="indefinite" restart="never" nodeType="tmRoot"/>
+      </p:par>
+    </p:tnLst>
+  </p:timing>
 </p:sld>
 </file>
 
@@ -17097,6 +17313,13 @@
       </p:transition>
     </mc:Fallback>
   </mc:AlternateContent>
+  <p:timing>
+    <p:tnLst>
+      <p:par>
+        <p:cTn id="1" dur="indefinite" restart="never" nodeType="tmRoot"/>
+      </p:par>
+    </p:tnLst>
+  </p:timing>
 </p:sld>
 </file>
 
@@ -17533,6 +17756,13 @@
       </p:transition>
     </mc:Fallback>
   </mc:AlternateContent>
+  <p:timing>
+    <p:tnLst>
+      <p:par>
+        <p:cTn id="1" dur="indefinite" restart="never" nodeType="tmRoot"/>
+      </p:par>
+    </p:tnLst>
+  </p:timing>
 </p:sld>
 </file>
 
@@ -18370,6 +18600,13 @@
       </p:transition>
     </mc:Fallback>
   </mc:AlternateContent>
+  <p:timing>
+    <p:tnLst>
+      <p:par>
+        <p:cTn id="1" dur="indefinite" restart="never" nodeType="tmRoot"/>
+      </p:par>
+    </p:tnLst>
+  </p:timing>
 </p:sld>
 </file>
 
@@ -19251,6 +19488,13 @@
       </p:transition>
     </mc:Fallback>
   </mc:AlternateContent>
+  <p:timing>
+    <p:tnLst>
+      <p:par>
+        <p:cTn id="1" dur="indefinite" restart="never" nodeType="tmRoot"/>
+      </p:par>
+    </p:tnLst>
+  </p:timing>
 </p:sld>
 </file>
 
@@ -20153,6 +20397,13 @@
       </p:transition>
     </mc:Fallback>
   </mc:AlternateContent>
+  <p:timing>
+    <p:tnLst>
+      <p:par>
+        <p:cTn id="1" dur="indefinite" restart="never" nodeType="tmRoot"/>
+      </p:par>
+    </p:tnLst>
+  </p:timing>
 </p:sld>
 </file>
 
@@ -20954,6 +21205,13 @@
       </p:transition>
     </mc:Fallback>
   </mc:AlternateContent>
+  <p:timing>
+    <p:tnLst>
+      <p:par>
+        <p:cTn id="1" dur="indefinite" restart="never" nodeType="tmRoot"/>
+      </p:par>
+    </p:tnLst>
+  </p:timing>
 </p:sld>
 </file>
 
@@ -21849,6 +22107,13 @@
       </p:transition>
     </mc:Fallback>
   </mc:AlternateContent>
+  <p:timing>
+    <p:tnLst>
+      <p:par>
+        <p:cTn id="1" dur="indefinite" restart="never" nodeType="tmRoot"/>
+      </p:par>
+    </p:tnLst>
+  </p:timing>
 </p:sld>
 </file>
 
@@ -22619,6 +22884,13 @@
       </p:transition>
     </mc:Fallback>
   </mc:AlternateContent>
+  <p:timing>
+    <p:tnLst>
+      <p:par>
+        <p:cTn id="1" dur="indefinite" restart="never" nodeType="tmRoot"/>
+      </p:par>
+    </p:tnLst>
+  </p:timing>
 </p:sld>
 </file>
 
@@ -23078,6 +23350,13 @@
       </p:transition>
     </mc:Fallback>
   </mc:AlternateContent>
+  <p:timing>
+    <p:tnLst>
+      <p:par>
+        <p:cTn id="1" dur="indefinite" restart="never" nodeType="tmRoot"/>
+      </p:par>
+    </p:tnLst>
+  </p:timing>
 </p:sld>
 </file>
 
@@ -23788,6 +24067,13 @@
       </p:transition>
     </mc:Fallback>
   </mc:AlternateContent>
+  <p:timing>
+    <p:tnLst>
+      <p:par>
+        <p:cTn id="1" dur="indefinite" restart="never" nodeType="tmRoot"/>
+      </p:par>
+    </p:tnLst>
+  </p:timing>
 </p:sld>
 </file>
 
@@ -23948,6 +24234,13 @@
       </p:transition>
     </mc:Fallback>
   </mc:AlternateContent>
+  <p:timing>
+    <p:tnLst>
+      <p:par>
+        <p:cTn id="1" dur="indefinite" restart="never" nodeType="tmRoot"/>
+      </p:par>
+    </p:tnLst>
+  </p:timing>
 </p:sld>
 </file>
 
@@ -24621,6 +24914,13 @@
       </p:transition>
     </mc:Fallback>
   </mc:AlternateContent>
+  <p:timing>
+    <p:tnLst>
+      <p:par>
+        <p:cTn id="1" dur="indefinite" restart="never" nodeType="tmRoot"/>
+      </p:par>
+    </p:tnLst>
+  </p:timing>
 </p:sld>
 </file>
 
@@ -25283,6 +25583,13 @@
       </p:transition>
     </mc:Fallback>
   </mc:AlternateContent>
+  <p:timing>
+    <p:tnLst>
+      <p:par>
+        <p:cTn id="1" dur="indefinite" restart="never" nodeType="tmRoot"/>
+      </p:par>
+    </p:tnLst>
+  </p:timing>
 </p:sld>
 </file>
 
@@ -26545,6 +26852,13 @@
       </p:transition>
     </mc:Fallback>
   </mc:AlternateContent>
+  <p:timing>
+    <p:tnLst>
+      <p:par>
+        <p:cTn id="1" dur="indefinite" restart="never" nodeType="tmRoot"/>
+      </p:par>
+    </p:tnLst>
+  </p:timing>
 </p:sld>
 </file>
 
@@ -26782,6 +27096,13 @@
       </p:transition>
     </mc:Fallback>
   </mc:AlternateContent>
+  <p:timing>
+    <p:tnLst>
+      <p:par>
+        <p:cTn id="1" dur="indefinite" restart="never" nodeType="tmRoot"/>
+      </p:par>
+    </p:tnLst>
+  </p:timing>
 </p:sld>
 </file>
 
@@ -26969,6 +27290,13 @@
       </p:transition>
     </mc:Fallback>
   </mc:AlternateContent>
+  <p:timing>
+    <p:tnLst>
+      <p:par>
+        <p:cTn id="1" dur="indefinite" restart="never" nodeType="tmRoot"/>
+      </p:par>
+    </p:tnLst>
+  </p:timing>
 </p:sld>
 </file>
 
@@ -27173,6 +27501,13 @@
       </p:transition>
     </mc:Fallback>
   </mc:AlternateContent>
+  <p:timing>
+    <p:tnLst>
+      <p:par>
+        <p:cTn id="1" dur="indefinite" restart="never" nodeType="tmRoot"/>
+      </p:par>
+    </p:tnLst>
+  </p:timing>
 </p:sld>
 </file>
 
@@ -27387,6 +27722,13 @@
       </p:transition>
     </mc:Fallback>
   </mc:AlternateContent>
+  <p:timing>
+    <p:tnLst>
+      <p:par>
+        <p:cTn id="1" dur="indefinite" restart="never" nodeType="tmRoot"/>
+      </p:par>
+    </p:tnLst>
+  </p:timing>
 </p:sld>
 </file>
 
@@ -28200,6 +28542,151 @@
 </file>
 
 <file path=customXml/item1.xml><?xml version="1.0" encoding="utf-8"?>
+<?mso-contentType ?>
+<FormTemplates xmlns="http://schemas.microsoft.com/sharepoint/v3/contenttype/forms">
+  <Display>DocumentLibraryForm</Display>
+  <Edit>AssetEditForm</Edit>
+  <New>DocumentLibraryForm</New>
+</FormTemplates>
+</file>
+
+<file path=customXml/item2.xml><?xml version="1.0" encoding="utf-8"?>
+<p:properties xmlns:p="http://schemas.microsoft.com/office/2006/metadata/properties" xmlns:xsi="http://www.w3.org/2001/XMLSchema-instance" xmlns:pc="http://schemas.microsoft.com/office/infopath/2007/PartnerControls">
+  <documentManagement>
+    <LocPublishedLinkedAssetsLookup xmlns="4873beb7-5857-4685-be1f-d57550cc96cc" xsi:nil="true"/>
+    <ApprovalStatus xmlns="4873beb7-5857-4685-be1f-d57550cc96cc">InProgress</ApprovalStatus>
+    <MarketSpecific xmlns="4873beb7-5857-4685-be1f-d57550cc96cc">false</MarketSpecific>
+    <LocComments xmlns="4873beb7-5857-4685-be1f-d57550cc96cc" xsi:nil="true"/>
+    <LocLastLocAttemptVersionTypeLookup xmlns="4873beb7-5857-4685-be1f-d57550cc96cc" xsi:nil="true"/>
+    <DirectSourceMarket xmlns="4873beb7-5857-4685-be1f-d57550cc96cc" xsi:nil="true"/>
+    <ThumbnailAssetId xmlns="4873beb7-5857-4685-be1f-d57550cc96cc" xsi:nil="true"/>
+    <PrimaryImageGen xmlns="4873beb7-5857-4685-be1f-d57550cc96cc">false</PrimaryImageGen>
+    <LocNewPublishedVersionLookup xmlns="4873beb7-5857-4685-be1f-d57550cc96cc" xsi:nil="true"/>
+    <LegacyData xmlns="4873beb7-5857-4685-be1f-d57550cc96cc" xsi:nil="true"/>
+    <LocRecommendedHandoff xmlns="4873beb7-5857-4685-be1f-d57550cc96cc" xsi:nil="true"/>
+    <BusinessGroup xmlns="4873beb7-5857-4685-be1f-d57550cc96cc" xsi:nil="true"/>
+    <BlockPublish xmlns="4873beb7-5857-4685-be1f-d57550cc96cc">false</BlockPublish>
+    <TPFriendlyName xmlns="4873beb7-5857-4685-be1f-d57550cc96cc" xsi:nil="true"/>
+    <LocOverallPublishStatusLookup xmlns="4873beb7-5857-4685-be1f-d57550cc96cc" xsi:nil="true"/>
+    <NumericId xmlns="4873beb7-5857-4685-be1f-d57550cc96cc" xsi:nil="true"/>
+    <APEditor xmlns="4873beb7-5857-4685-be1f-d57550cc96cc">
+      <UserInfo>
+        <DisplayName/>
+        <AccountId xsi:nil="true"/>
+        <AccountType/>
+      </UserInfo>
+    </APEditor>
+    <SourceTitle xmlns="4873beb7-5857-4685-be1f-d57550cc96cc" xsi:nil="true"/>
+    <OpenTemplate xmlns="4873beb7-5857-4685-be1f-d57550cc96cc">true</OpenTemplate>
+    <LocOverallLocStatusLookup xmlns="4873beb7-5857-4685-be1f-d57550cc96cc" xsi:nil="true"/>
+    <UALocComments xmlns="4873beb7-5857-4685-be1f-d57550cc96cc" xsi:nil="true"/>
+    <ParentAssetId xmlns="4873beb7-5857-4685-be1f-d57550cc96cc" xsi:nil="true"/>
+    <IntlLangReviewDate xmlns="4873beb7-5857-4685-be1f-d57550cc96cc" xsi:nil="true"/>
+    <FeatureTagsTaxHTField0 xmlns="4873beb7-5857-4685-be1f-d57550cc96cc">
+      <Terms xmlns="http://schemas.microsoft.com/office/infopath/2007/PartnerControls"/>
+    </FeatureTagsTaxHTField0>
+    <PublishStatusLookup xmlns="4873beb7-5857-4685-be1f-d57550cc96cc">
+      <Value>1345039</Value>
+    </PublishStatusLookup>
+    <Providers xmlns="4873beb7-5857-4685-be1f-d57550cc96cc" xsi:nil="true"/>
+    <MachineTranslated xmlns="4873beb7-5857-4685-be1f-d57550cc96cc">false</MachineTranslated>
+    <OriginalSourceMarket xmlns="4873beb7-5857-4685-be1f-d57550cc96cc" xsi:nil="true"/>
+    <APDescription xmlns="4873beb7-5857-4685-be1f-d57550cc96cc">The bookstacks present on most slides  make this a good choice for students, teachers, reading enthusiasts, and others in education. This presentation template contains multiple slide layouts in widescreen format (16x9) and includes a sample table and chart that you can easily  modify.</APDescription>
+    <ClipArtFilename xmlns="4873beb7-5857-4685-be1f-d57550cc96cc" xsi:nil="true"/>
+    <ContentItem xmlns="4873beb7-5857-4685-be1f-d57550cc96cc" xsi:nil="true"/>
+    <TPInstallLocation xmlns="4873beb7-5857-4685-be1f-d57550cc96cc" xsi:nil="true"/>
+    <PublishTargets xmlns="4873beb7-5857-4685-be1f-d57550cc96cc">OfficeOnlineVNext</PublishTargets>
+    <TimesCloned xmlns="4873beb7-5857-4685-be1f-d57550cc96cc" xsi:nil="true"/>
+    <AssetStart xmlns="4873beb7-5857-4685-be1f-d57550cc96cc">2011-11-26T00:00:00+00:00</AssetStart>
+    <Provider xmlns="4873beb7-5857-4685-be1f-d57550cc96cc" xsi:nil="true"/>
+    <AcquiredFrom xmlns="4873beb7-5857-4685-be1f-d57550cc96cc">Internal MS</AcquiredFrom>
+    <FriendlyTitle xmlns="4873beb7-5857-4685-be1f-d57550cc96cc" xsi:nil="true"/>
+    <LastHandOff xmlns="4873beb7-5857-4685-be1f-d57550cc96cc" xsi:nil="true"/>
+    <TPClientViewer xmlns="4873beb7-5857-4685-be1f-d57550cc96cc" xsi:nil="true"/>
+    <TemplateStatus xmlns="4873beb7-5857-4685-be1f-d57550cc96cc">Complete</TemplateStatus>
+    <Downloads xmlns="4873beb7-5857-4685-be1f-d57550cc96cc">0</Downloads>
+    <OOCacheId xmlns="4873beb7-5857-4685-be1f-d57550cc96cc" xsi:nil="true"/>
+    <IsDeleted xmlns="4873beb7-5857-4685-be1f-d57550cc96cc">false</IsDeleted>
+    <LocPublishedDependentAssetsLookup xmlns="4873beb7-5857-4685-be1f-d57550cc96cc" xsi:nil="true"/>
+    <AssetExpire xmlns="4873beb7-5857-4685-be1f-d57550cc96cc">2029-05-12T07:00:00+00:00</AssetExpire>
+    <DSATActionTaken xmlns="4873beb7-5857-4685-be1f-d57550cc96cc" xsi:nil="true"/>
+    <CSXSubmissionMarket xmlns="4873beb7-5857-4685-be1f-d57550cc96cc" xsi:nil="true"/>
+    <TPExecutable xmlns="4873beb7-5857-4685-be1f-d57550cc96cc" xsi:nil="true"/>
+    <EditorialTags xmlns="4873beb7-5857-4685-be1f-d57550cc96cc" xsi:nil="true"/>
+    <SubmitterId xmlns="4873beb7-5857-4685-be1f-d57550cc96cc" xsi:nil="true"/>
+    <ApprovalLog xmlns="4873beb7-5857-4685-be1f-d57550cc96cc" xsi:nil="true"/>
+    <AssetType xmlns="4873beb7-5857-4685-be1f-d57550cc96cc">TP</AssetType>
+    <BugNumber xmlns="4873beb7-5857-4685-be1f-d57550cc96cc" xsi:nil="true"/>
+    <CSXSubmissionDate xmlns="4873beb7-5857-4685-be1f-d57550cc96cc" xsi:nil="true"/>
+    <CSXUpdate xmlns="4873beb7-5857-4685-be1f-d57550cc96cc">false</CSXUpdate>
+    <Milestone xmlns="4873beb7-5857-4685-be1f-d57550cc96cc" xsi:nil="true"/>
+    <RecommendationsModifier xmlns="4873beb7-5857-4685-be1f-d57550cc96cc" xsi:nil="true"/>
+    <OriginAsset xmlns="4873beb7-5857-4685-be1f-d57550cc96cc" xsi:nil="true"/>
+    <TPComponent xmlns="4873beb7-5857-4685-be1f-d57550cc96cc" xsi:nil="true"/>
+    <AssetId xmlns="4873beb7-5857-4685-be1f-d57550cc96cc">TP102787939</AssetId>
+    <IntlLocPriority xmlns="4873beb7-5857-4685-be1f-d57550cc96cc" xsi:nil="true"/>
+    <PolicheckWords xmlns="4873beb7-5857-4685-be1f-d57550cc96cc" xsi:nil="true"/>
+    <TPLaunchHelpLink xmlns="4873beb7-5857-4685-be1f-d57550cc96cc" xsi:nil="true"/>
+    <TPApplication xmlns="4873beb7-5857-4685-be1f-d57550cc96cc" xsi:nil="true"/>
+    <CrawlForDependencies xmlns="4873beb7-5857-4685-be1f-d57550cc96cc">false</CrawlForDependencies>
+    <HandoffToMSDN xmlns="4873beb7-5857-4685-be1f-d57550cc96cc" xsi:nil="true"/>
+    <PlannedPubDate xmlns="4873beb7-5857-4685-be1f-d57550cc96cc" xsi:nil="true"/>
+    <IntlLangReviewer xmlns="4873beb7-5857-4685-be1f-d57550cc96cc" xsi:nil="true"/>
+    <TrustLevel xmlns="4873beb7-5857-4685-be1f-d57550cc96cc">1 Microsoft Managed Content</TrustLevel>
+    <LocLastLocAttemptVersionLookup xmlns="4873beb7-5857-4685-be1f-d57550cc96cc">694216</LocLastLocAttemptVersionLookup>
+    <LocProcessedForHandoffsLookup xmlns="4873beb7-5857-4685-be1f-d57550cc96cc" xsi:nil="true"/>
+    <IsSearchable xmlns="4873beb7-5857-4685-be1f-d57550cc96cc">true</IsSearchable>
+    <TemplateTemplateType xmlns="4873beb7-5857-4685-be1f-d57550cc96cc">PowerPoint Presentation Template</TemplateTemplateType>
+    <CampaignTagsTaxHTField0 xmlns="4873beb7-5857-4685-be1f-d57550cc96cc">
+      <Terms xmlns="http://schemas.microsoft.com/office/infopath/2007/PartnerControls"/>
+    </CampaignTagsTaxHTField0>
+    <TPNamespace xmlns="4873beb7-5857-4685-be1f-d57550cc96cc" xsi:nil="true"/>
+    <LocOverallPreviewStatusLookup xmlns="4873beb7-5857-4685-be1f-d57550cc96cc" xsi:nil="true"/>
+    <TaxCatchAll xmlns="4873beb7-5857-4685-be1f-d57550cc96cc"/>
+    <Markets xmlns="4873beb7-5857-4685-be1f-d57550cc96cc"/>
+    <UAProjectedTotalWords xmlns="4873beb7-5857-4685-be1f-d57550cc96cc" xsi:nil="true"/>
+    <IntlLangReview xmlns="4873beb7-5857-4685-be1f-d57550cc96cc" xsi:nil="true"/>
+    <OutputCachingOn xmlns="4873beb7-5857-4685-be1f-d57550cc96cc">false</OutputCachingOn>
+    <AverageRating xmlns="4873beb7-5857-4685-be1f-d57550cc96cc" xsi:nil="true"/>
+    <APAuthor xmlns="4873beb7-5857-4685-be1f-d57550cc96cc">
+      <UserInfo>
+        <DisplayName>REDMOND\kristaa</DisplayName>
+        <AccountId>136</AccountId>
+        <AccountType/>
+      </UserInfo>
+    </APAuthor>
+    <LocManualTestRequired xmlns="4873beb7-5857-4685-be1f-d57550cc96cc">false</LocManualTestRequired>
+    <TPCommandLine xmlns="4873beb7-5857-4685-be1f-d57550cc96cc" xsi:nil="true"/>
+    <TPAppVersion xmlns="4873beb7-5857-4685-be1f-d57550cc96cc" xsi:nil="true"/>
+    <EditorialStatus xmlns="4873beb7-5857-4685-be1f-d57550cc96cc">Complete</EditorialStatus>
+    <LastModifiedDateTime xmlns="4873beb7-5857-4685-be1f-d57550cc96cc" xsi:nil="true"/>
+    <ScenarioTagsTaxHTField0 xmlns="4873beb7-5857-4685-be1f-d57550cc96cc">
+      <Terms xmlns="http://schemas.microsoft.com/office/infopath/2007/PartnerControls"/>
+    </ScenarioTagsTaxHTField0>
+    <LocProcessedForMarketsLookup xmlns="4873beb7-5857-4685-be1f-d57550cc96cc" xsi:nil="true"/>
+    <TPLaunchHelpLinkType xmlns="4873beb7-5857-4685-be1f-d57550cc96cc">Template</TPLaunchHelpLinkType>
+    <OriginalRelease xmlns="4873beb7-5857-4685-be1f-d57550cc96cc">15</OriginalRelease>
+    <LocalizationTagsTaxHTField0 xmlns="4873beb7-5857-4685-be1f-d57550cc96cc">
+      <Terms xmlns="http://schemas.microsoft.com/office/infopath/2007/PartnerControls"/>
+    </LocalizationTagsTaxHTField0>
+    <UACurrentWords xmlns="4873beb7-5857-4685-be1f-d57550cc96cc" xsi:nil="true"/>
+    <ArtSampleDocs xmlns="4873beb7-5857-4685-be1f-d57550cc96cc" xsi:nil="true"/>
+    <UALocRecommendation xmlns="4873beb7-5857-4685-be1f-d57550cc96cc">Localize</UALocRecommendation>
+    <Manager xmlns="4873beb7-5857-4685-be1f-d57550cc96cc" xsi:nil="true"/>
+    <LocOverallHandbackStatusLookup xmlns="4873beb7-5857-4685-be1f-d57550cc96cc" xsi:nil="true"/>
+    <ShowIn xmlns="4873beb7-5857-4685-be1f-d57550cc96cc">Show everywhere</ShowIn>
+    <UANotes xmlns="4873beb7-5857-4685-be1f-d57550cc96cc" xsi:nil="true"/>
+    <InternalTagsTaxHTField0 xmlns="4873beb7-5857-4685-be1f-d57550cc96cc">
+      <Terms xmlns="http://schemas.microsoft.com/office/infopath/2007/PartnerControls"/>
+    </InternalTagsTaxHTField0>
+    <CSXHash xmlns="4873beb7-5857-4685-be1f-d57550cc96cc" xsi:nil="true"/>
+    <VoteCount xmlns="4873beb7-5857-4685-be1f-d57550cc96cc" xsi:nil="true"/>
+    <LocMarketGroupTiers2 xmlns="4873beb7-5857-4685-be1f-d57550cc96cc" xsi:nil="true"/>
+  </documentManagement>
+</p:properties>
+</file>
+
+<file path=customXml/item3.xml><?xml version="1.0" encoding="utf-8"?>
 <ct:contentTypeSchema xmlns:ct="http://schemas.microsoft.com/office/2006/metadata/contentType" xmlns:ma="http://schemas.microsoft.com/office/2006/metadata/properties/metaAttributes" ct:_="" ma:_="" ma:contentTypeName="TemplateFile" ma:contentTypeID="0x0101006EDDDB5EE6D98C44930B742096920B300400F5B6D36B3EF94B4E9A635CDF2A18F5B8" ma:contentTypeVersion="72" ma:contentTypeDescription="Create a new document." ma:contentTypeScope="" ma:versionID="a23e56308344d904b51738559c3d67c9">
   <xsd:schema xmlns:xsd="http://www.w3.org/2001/XMLSchema" xmlns:xs="http://www.w3.org/2001/XMLSchema" xmlns:p="http://schemas.microsoft.com/office/2006/metadata/properties" xmlns:ns2="4873beb7-5857-4685-be1f-d57550cc96cc" targetNamespace="http://schemas.microsoft.com/office/2006/metadata/properties" ma:root="true" ma:fieldsID="cd0908cc4600e77bf5da051303e00c8d" ns2:_="">
     <xsd:import namespace="4873beb7-5857-4685-be1f-d57550cc96cc"/>
@@ -29239,152 +29726,31 @@
 </ct:contentTypeSchema>
 </file>
 
-<file path=customXml/item2.xml><?xml version="1.0" encoding="utf-8"?>
-<?mso-contentType ?>
-<FormTemplates xmlns="http://schemas.microsoft.com/sharepoint/v3/contenttype/forms">
-  <Display>DocumentLibraryForm</Display>
-  <Edit>AssetEditForm</Edit>
-  <New>DocumentLibraryForm</New>
-</FormTemplates>
+<file path=customXml/itemProps1.xml><?xml version="1.0" encoding="utf-8"?>
+<ds:datastoreItem xmlns:ds="http://schemas.openxmlformats.org/officeDocument/2006/customXml" ds:itemID="{E1B558C7-619B-49BE-9097-7FCBDADD4ECE}">
+  <ds:schemaRefs>
+    <ds:schemaRef ds:uri="http://schemas.microsoft.com/sharepoint/v3/contenttype/forms"/>
+  </ds:schemaRefs>
+</ds:datastoreItem>
 </file>
 
-<file path=customXml/item3.xml><?xml version="1.0" encoding="utf-8"?>
-<p:properties xmlns:p="http://schemas.microsoft.com/office/2006/metadata/properties" xmlns:xsi="http://www.w3.org/2001/XMLSchema-instance" xmlns:pc="http://schemas.microsoft.com/office/infopath/2007/PartnerControls">
-  <documentManagement>
-    <LocPublishedLinkedAssetsLookup xmlns="4873beb7-5857-4685-be1f-d57550cc96cc" xsi:nil="true"/>
-    <ApprovalStatus xmlns="4873beb7-5857-4685-be1f-d57550cc96cc">InProgress</ApprovalStatus>
-    <MarketSpecific xmlns="4873beb7-5857-4685-be1f-d57550cc96cc">false</MarketSpecific>
-    <LocComments xmlns="4873beb7-5857-4685-be1f-d57550cc96cc" xsi:nil="true"/>
-    <LocLastLocAttemptVersionTypeLookup xmlns="4873beb7-5857-4685-be1f-d57550cc96cc" xsi:nil="true"/>
-    <DirectSourceMarket xmlns="4873beb7-5857-4685-be1f-d57550cc96cc" xsi:nil="true"/>
-    <ThumbnailAssetId xmlns="4873beb7-5857-4685-be1f-d57550cc96cc" xsi:nil="true"/>
-    <PrimaryImageGen xmlns="4873beb7-5857-4685-be1f-d57550cc96cc">false</PrimaryImageGen>
-    <LocNewPublishedVersionLookup xmlns="4873beb7-5857-4685-be1f-d57550cc96cc" xsi:nil="true"/>
-    <LegacyData xmlns="4873beb7-5857-4685-be1f-d57550cc96cc" xsi:nil="true"/>
-    <LocRecommendedHandoff xmlns="4873beb7-5857-4685-be1f-d57550cc96cc" xsi:nil="true"/>
-    <BusinessGroup xmlns="4873beb7-5857-4685-be1f-d57550cc96cc" xsi:nil="true"/>
-    <BlockPublish xmlns="4873beb7-5857-4685-be1f-d57550cc96cc">false</BlockPublish>
-    <TPFriendlyName xmlns="4873beb7-5857-4685-be1f-d57550cc96cc" xsi:nil="true"/>
-    <LocOverallPublishStatusLookup xmlns="4873beb7-5857-4685-be1f-d57550cc96cc" xsi:nil="true"/>
-    <NumericId xmlns="4873beb7-5857-4685-be1f-d57550cc96cc" xsi:nil="true"/>
-    <APEditor xmlns="4873beb7-5857-4685-be1f-d57550cc96cc">
-      <UserInfo>
-        <DisplayName/>
-        <AccountId xsi:nil="true"/>
-        <AccountType/>
-      </UserInfo>
-    </APEditor>
-    <SourceTitle xmlns="4873beb7-5857-4685-be1f-d57550cc96cc" xsi:nil="true"/>
-    <OpenTemplate xmlns="4873beb7-5857-4685-be1f-d57550cc96cc">true</OpenTemplate>
-    <LocOverallLocStatusLookup xmlns="4873beb7-5857-4685-be1f-d57550cc96cc" xsi:nil="true"/>
-    <UALocComments xmlns="4873beb7-5857-4685-be1f-d57550cc96cc" xsi:nil="true"/>
-    <ParentAssetId xmlns="4873beb7-5857-4685-be1f-d57550cc96cc" xsi:nil="true"/>
-    <IntlLangReviewDate xmlns="4873beb7-5857-4685-be1f-d57550cc96cc" xsi:nil="true"/>
-    <FeatureTagsTaxHTField0 xmlns="4873beb7-5857-4685-be1f-d57550cc96cc">
-      <Terms xmlns="http://schemas.microsoft.com/office/infopath/2007/PartnerControls"/>
-    </FeatureTagsTaxHTField0>
-    <PublishStatusLookup xmlns="4873beb7-5857-4685-be1f-d57550cc96cc">
-      <Value>1345039</Value>
-    </PublishStatusLookup>
-    <Providers xmlns="4873beb7-5857-4685-be1f-d57550cc96cc" xsi:nil="true"/>
-    <MachineTranslated xmlns="4873beb7-5857-4685-be1f-d57550cc96cc">false</MachineTranslated>
-    <OriginalSourceMarket xmlns="4873beb7-5857-4685-be1f-d57550cc96cc" xsi:nil="true"/>
-    <APDescription xmlns="4873beb7-5857-4685-be1f-d57550cc96cc">The bookstacks present on most slides  make this a good choice for students, teachers, reading enthusiasts, and others in education. This presentation template contains multiple slide layouts in widescreen format (16x9) and includes a sample table and chart that you can easily  modify.</APDescription>
-    <ClipArtFilename xmlns="4873beb7-5857-4685-be1f-d57550cc96cc" xsi:nil="true"/>
-    <ContentItem xmlns="4873beb7-5857-4685-be1f-d57550cc96cc" xsi:nil="true"/>
-    <TPInstallLocation xmlns="4873beb7-5857-4685-be1f-d57550cc96cc" xsi:nil="true"/>
-    <PublishTargets xmlns="4873beb7-5857-4685-be1f-d57550cc96cc">OfficeOnlineVNext</PublishTargets>
-    <TimesCloned xmlns="4873beb7-5857-4685-be1f-d57550cc96cc" xsi:nil="true"/>
-    <AssetStart xmlns="4873beb7-5857-4685-be1f-d57550cc96cc">2011-11-26T00:00:00+00:00</AssetStart>
-    <Provider xmlns="4873beb7-5857-4685-be1f-d57550cc96cc" xsi:nil="true"/>
-    <AcquiredFrom xmlns="4873beb7-5857-4685-be1f-d57550cc96cc">Internal MS</AcquiredFrom>
-    <FriendlyTitle xmlns="4873beb7-5857-4685-be1f-d57550cc96cc" xsi:nil="true"/>
-    <LastHandOff xmlns="4873beb7-5857-4685-be1f-d57550cc96cc" xsi:nil="true"/>
-    <TPClientViewer xmlns="4873beb7-5857-4685-be1f-d57550cc96cc" xsi:nil="true"/>
-    <TemplateStatus xmlns="4873beb7-5857-4685-be1f-d57550cc96cc">Complete</TemplateStatus>
-    <Downloads xmlns="4873beb7-5857-4685-be1f-d57550cc96cc">0</Downloads>
-    <OOCacheId xmlns="4873beb7-5857-4685-be1f-d57550cc96cc" xsi:nil="true"/>
-    <IsDeleted xmlns="4873beb7-5857-4685-be1f-d57550cc96cc">false</IsDeleted>
-    <LocPublishedDependentAssetsLookup xmlns="4873beb7-5857-4685-be1f-d57550cc96cc" xsi:nil="true"/>
-    <AssetExpire xmlns="4873beb7-5857-4685-be1f-d57550cc96cc">2029-05-12T07:00:00+00:00</AssetExpire>
-    <DSATActionTaken xmlns="4873beb7-5857-4685-be1f-d57550cc96cc" xsi:nil="true"/>
-    <CSXSubmissionMarket xmlns="4873beb7-5857-4685-be1f-d57550cc96cc" xsi:nil="true"/>
-    <TPExecutable xmlns="4873beb7-5857-4685-be1f-d57550cc96cc" xsi:nil="true"/>
-    <EditorialTags xmlns="4873beb7-5857-4685-be1f-d57550cc96cc" xsi:nil="true"/>
-    <SubmitterId xmlns="4873beb7-5857-4685-be1f-d57550cc96cc" xsi:nil="true"/>
-    <ApprovalLog xmlns="4873beb7-5857-4685-be1f-d57550cc96cc" xsi:nil="true"/>
-    <AssetType xmlns="4873beb7-5857-4685-be1f-d57550cc96cc">TP</AssetType>
-    <BugNumber xmlns="4873beb7-5857-4685-be1f-d57550cc96cc" xsi:nil="true"/>
-    <CSXSubmissionDate xmlns="4873beb7-5857-4685-be1f-d57550cc96cc" xsi:nil="true"/>
-    <CSXUpdate xmlns="4873beb7-5857-4685-be1f-d57550cc96cc">false</CSXUpdate>
-    <Milestone xmlns="4873beb7-5857-4685-be1f-d57550cc96cc" xsi:nil="true"/>
-    <RecommendationsModifier xmlns="4873beb7-5857-4685-be1f-d57550cc96cc" xsi:nil="true"/>
-    <OriginAsset xmlns="4873beb7-5857-4685-be1f-d57550cc96cc" xsi:nil="true"/>
-    <TPComponent xmlns="4873beb7-5857-4685-be1f-d57550cc96cc" xsi:nil="true"/>
-    <AssetId xmlns="4873beb7-5857-4685-be1f-d57550cc96cc">TP102787939</AssetId>
-    <IntlLocPriority xmlns="4873beb7-5857-4685-be1f-d57550cc96cc" xsi:nil="true"/>
-    <PolicheckWords xmlns="4873beb7-5857-4685-be1f-d57550cc96cc" xsi:nil="true"/>
-    <TPLaunchHelpLink xmlns="4873beb7-5857-4685-be1f-d57550cc96cc" xsi:nil="true"/>
-    <TPApplication xmlns="4873beb7-5857-4685-be1f-d57550cc96cc" xsi:nil="true"/>
-    <CrawlForDependencies xmlns="4873beb7-5857-4685-be1f-d57550cc96cc">false</CrawlForDependencies>
-    <HandoffToMSDN xmlns="4873beb7-5857-4685-be1f-d57550cc96cc" xsi:nil="true"/>
-    <PlannedPubDate xmlns="4873beb7-5857-4685-be1f-d57550cc96cc" xsi:nil="true"/>
-    <IntlLangReviewer xmlns="4873beb7-5857-4685-be1f-d57550cc96cc" xsi:nil="true"/>
-    <TrustLevel xmlns="4873beb7-5857-4685-be1f-d57550cc96cc">1 Microsoft Managed Content</TrustLevel>
-    <LocLastLocAttemptVersionLookup xmlns="4873beb7-5857-4685-be1f-d57550cc96cc">694216</LocLastLocAttemptVersionLookup>
-    <LocProcessedForHandoffsLookup xmlns="4873beb7-5857-4685-be1f-d57550cc96cc" xsi:nil="true"/>
-    <IsSearchable xmlns="4873beb7-5857-4685-be1f-d57550cc96cc">true</IsSearchable>
-    <TemplateTemplateType xmlns="4873beb7-5857-4685-be1f-d57550cc96cc">PowerPoint Presentation Template</TemplateTemplateType>
-    <CampaignTagsTaxHTField0 xmlns="4873beb7-5857-4685-be1f-d57550cc96cc">
-      <Terms xmlns="http://schemas.microsoft.com/office/infopath/2007/PartnerControls"/>
-    </CampaignTagsTaxHTField0>
-    <TPNamespace xmlns="4873beb7-5857-4685-be1f-d57550cc96cc" xsi:nil="true"/>
-    <LocOverallPreviewStatusLookup xmlns="4873beb7-5857-4685-be1f-d57550cc96cc" xsi:nil="true"/>
-    <TaxCatchAll xmlns="4873beb7-5857-4685-be1f-d57550cc96cc"/>
-    <Markets xmlns="4873beb7-5857-4685-be1f-d57550cc96cc"/>
-    <UAProjectedTotalWords xmlns="4873beb7-5857-4685-be1f-d57550cc96cc" xsi:nil="true"/>
-    <IntlLangReview xmlns="4873beb7-5857-4685-be1f-d57550cc96cc" xsi:nil="true"/>
-    <OutputCachingOn xmlns="4873beb7-5857-4685-be1f-d57550cc96cc">false</OutputCachingOn>
-    <AverageRating xmlns="4873beb7-5857-4685-be1f-d57550cc96cc" xsi:nil="true"/>
-    <APAuthor xmlns="4873beb7-5857-4685-be1f-d57550cc96cc">
-      <UserInfo>
-        <DisplayName>REDMOND\kristaa</DisplayName>
-        <AccountId>136</AccountId>
-        <AccountType/>
-      </UserInfo>
-    </APAuthor>
-    <LocManualTestRequired xmlns="4873beb7-5857-4685-be1f-d57550cc96cc">false</LocManualTestRequired>
-    <TPCommandLine xmlns="4873beb7-5857-4685-be1f-d57550cc96cc" xsi:nil="true"/>
-    <TPAppVersion xmlns="4873beb7-5857-4685-be1f-d57550cc96cc" xsi:nil="true"/>
-    <EditorialStatus xmlns="4873beb7-5857-4685-be1f-d57550cc96cc">Complete</EditorialStatus>
-    <LastModifiedDateTime xmlns="4873beb7-5857-4685-be1f-d57550cc96cc" xsi:nil="true"/>
-    <ScenarioTagsTaxHTField0 xmlns="4873beb7-5857-4685-be1f-d57550cc96cc">
-      <Terms xmlns="http://schemas.microsoft.com/office/infopath/2007/PartnerControls"/>
-    </ScenarioTagsTaxHTField0>
-    <LocProcessedForMarketsLookup xmlns="4873beb7-5857-4685-be1f-d57550cc96cc" xsi:nil="true"/>
-    <TPLaunchHelpLinkType xmlns="4873beb7-5857-4685-be1f-d57550cc96cc">Template</TPLaunchHelpLinkType>
-    <OriginalRelease xmlns="4873beb7-5857-4685-be1f-d57550cc96cc">15</OriginalRelease>
-    <LocalizationTagsTaxHTField0 xmlns="4873beb7-5857-4685-be1f-d57550cc96cc">
-      <Terms xmlns="http://schemas.microsoft.com/office/infopath/2007/PartnerControls"/>
-    </LocalizationTagsTaxHTField0>
-    <UACurrentWords xmlns="4873beb7-5857-4685-be1f-d57550cc96cc" xsi:nil="true"/>
-    <ArtSampleDocs xmlns="4873beb7-5857-4685-be1f-d57550cc96cc" xsi:nil="true"/>
-    <UALocRecommendation xmlns="4873beb7-5857-4685-be1f-d57550cc96cc">Localize</UALocRecommendation>
-    <Manager xmlns="4873beb7-5857-4685-be1f-d57550cc96cc" xsi:nil="true"/>
-    <LocOverallHandbackStatusLookup xmlns="4873beb7-5857-4685-be1f-d57550cc96cc" xsi:nil="true"/>
-    <ShowIn xmlns="4873beb7-5857-4685-be1f-d57550cc96cc">Show everywhere</ShowIn>
-    <UANotes xmlns="4873beb7-5857-4685-be1f-d57550cc96cc" xsi:nil="true"/>
-    <InternalTagsTaxHTField0 xmlns="4873beb7-5857-4685-be1f-d57550cc96cc">
-      <Terms xmlns="http://schemas.microsoft.com/office/infopath/2007/PartnerControls"/>
-    </InternalTagsTaxHTField0>
-    <CSXHash xmlns="4873beb7-5857-4685-be1f-d57550cc96cc" xsi:nil="true"/>
-    <VoteCount xmlns="4873beb7-5857-4685-be1f-d57550cc96cc" xsi:nil="true"/>
-    <LocMarketGroupTiers2 xmlns="4873beb7-5857-4685-be1f-d57550cc96cc" xsi:nil="true"/>
-  </documentManagement>
-</p:properties>
+<file path=customXml/itemProps2.xml><?xml version="1.0" encoding="utf-8"?>
+<ds:datastoreItem xmlns:ds="http://schemas.openxmlformats.org/officeDocument/2006/customXml" ds:itemID="{F301D382-32B0-43EE-932C-28906AF37617}">
+  <ds:schemaRefs>
+    <ds:schemaRef ds:uri="http://purl.org/dc/terms/"/>
+    <ds:schemaRef ds:uri="http://schemas.microsoft.com/office/2006/documentManagement/types"/>
+    <ds:schemaRef ds:uri="4873beb7-5857-4685-be1f-d57550cc96cc"/>
+    <ds:schemaRef ds:uri="http://purl.org/dc/elements/1.1/"/>
+    <ds:schemaRef ds:uri="http://schemas.microsoft.com/office/2006/metadata/properties"/>
+    <ds:schemaRef ds:uri="http://schemas.microsoft.com/office/infopath/2007/PartnerControls"/>
+    <ds:schemaRef ds:uri="http://schemas.openxmlformats.org/package/2006/metadata/core-properties"/>
+    <ds:schemaRef ds:uri="http://www.w3.org/XML/1998/namespace"/>
+    <ds:schemaRef ds:uri="http://purl.org/dc/dcmitype/"/>
+  </ds:schemaRefs>
+</ds:datastoreItem>
 </file>
 
-<file path=customXml/itemProps1.xml><?xml version="1.0" encoding="utf-8"?>
+<file path=customXml/itemProps3.xml><?xml version="1.0" encoding="utf-8"?>
 <ds:datastoreItem xmlns:ds="http://schemas.openxmlformats.org/officeDocument/2006/customXml" ds:itemID="{BBB5C329-08A6-4E5E-AEF1-A97828C87411}">
   <ds:schemaRefs>
     <ds:schemaRef ds:uri="http://schemas.microsoft.com/office/2006/metadata/contentType"/>
@@ -29400,28 +29766,4 @@
     <ds:schemaRef ds:uri="http://schemas.microsoft.com/internal/obd"/>
   </ds:schemaRefs>
 </ds:datastoreItem>
-</file>
-
-<file path=customXml/itemProps2.xml><?xml version="1.0" encoding="utf-8"?>
-<ds:datastoreItem xmlns:ds="http://schemas.openxmlformats.org/officeDocument/2006/customXml" ds:itemID="{E1B558C7-619B-49BE-9097-7FCBDADD4ECE}">
-  <ds:schemaRefs>
-    <ds:schemaRef ds:uri="http://schemas.microsoft.com/sharepoint/v3/contenttype/forms"/>
-  </ds:schemaRefs>
-</ds:datastoreItem>
-</file>
-
-<file path=customXml/itemProps3.xml><?xml version="1.0" encoding="utf-8"?>
-<ds:datastoreItem xmlns:ds="http://schemas.openxmlformats.org/officeDocument/2006/customXml" ds:itemID="{F301D382-32B0-43EE-932C-28906AF37617}">
-  <ds:schemaRefs>
-    <ds:schemaRef ds:uri="http://purl.org/dc/terms/"/>
-    <ds:schemaRef ds:uri="http://schemas.microsoft.com/office/2006/documentManagement/types"/>
-    <ds:schemaRef ds:uri="4873beb7-5857-4685-be1f-d57550cc96cc"/>
-    <ds:schemaRef ds:uri="http://purl.org/dc/elements/1.1/"/>
-    <ds:schemaRef ds:uri="http://schemas.microsoft.com/office/2006/metadata/properties"/>
-    <ds:schemaRef ds:uri="http://schemas.microsoft.com/office/infopath/2007/PartnerControls"/>
-    <ds:schemaRef ds:uri="http://schemas.openxmlformats.org/package/2006/metadata/core-properties"/>
-    <ds:schemaRef ds:uri="http://www.w3.org/XML/1998/namespace"/>
-    <ds:schemaRef ds:uri="http://purl.org/dc/dcmitype/"/>
-  </ds:schemaRefs>
-</ds:datastoreItem>
 </file>
--- a/ppt/js/JavaScript初级教程.pptx
+++ b/ppt/js/JavaScript初级教程.pptx
@@ -283,7 +283,7 @@
                 <a:ea typeface="微软雅黑" panose="020B0503020204020204" pitchFamily="34" charset="-122"/>
               </a:rPr>
               <a:pPr algn="r" rtl="0"/>
-              <a:t>2016/12/3</a:t>
+              <a:t>2016/12/4</a:t>
             </a:fld>
             <a:endParaRPr lang="zh-CN" altLang="en-US" dirty="0">
               <a:solidFill>
@@ -488,7 +488,7 @@
             <a:fld id="{06B449BB-9F99-43EE-A1AA-ED1E313F74C2}" type="datetime1">
               <a:rPr lang="zh-CN" altLang="en-US" smtClean="0"/>
               <a:pPr/>
-              <a:t>2016/12/3</a:t>
+              <a:t>2016/12/4</a:t>
             </a:fld>
             <a:endParaRPr lang="zh-CN" altLang="en-US" dirty="0"/>
           </a:p>
@@ -1101,7 +1101,7 @@
             <a:fld id="{55677D0B-F53C-4787-A85A-18D33BC3BEA1}" type="datetime1">
               <a:rPr lang="zh-CN" altLang="en-US" smtClean="0"/>
               <a:pPr/>
-              <a:t>2016/12/3</a:t>
+              <a:t>2016/12/4</a:t>
             </a:fld>
             <a:endParaRPr lang="zh-CN" altLang="en-US" dirty="0"/>
           </a:p>
@@ -1301,7 +1301,7 @@
             <a:fld id="{54B89B6B-C640-4814-94E3-C138F9C73EE7}" type="datetime1">
               <a:rPr lang="zh-CN" altLang="en-US" smtClean="0"/>
               <a:pPr/>
-              <a:t>2016/12/3</a:t>
+              <a:t>2016/12/4</a:t>
             </a:fld>
             <a:endParaRPr lang="zh-CN" altLang="en-US" dirty="0"/>
           </a:p>
@@ -1507,7 +1507,7 @@
             <a:fld id="{3D2BB3D5-B3F4-4256-B6ED-4B874E5DE258}" type="datetime1">
               <a:rPr lang="zh-CN" altLang="en-US" smtClean="0"/>
               <a:pPr/>
-              <a:t>2016/12/3</a:t>
+              <a:t>2016/12/4</a:t>
             </a:fld>
             <a:endParaRPr lang="zh-CN" altLang="en-US" dirty="0"/>
           </a:p>
@@ -2032,7 +2032,7 @@
             <a:fld id="{109DE028-75A5-419A-B395-C2EDFBD58642}" type="datetime1">
               <a:rPr lang="zh-CN" altLang="en-US" smtClean="0"/>
               <a:pPr/>
-              <a:t>2016/12/3</a:t>
+              <a:t>2016/12/4</a:t>
             </a:fld>
             <a:endParaRPr lang="zh-CN" altLang="en-US" dirty="0"/>
           </a:p>
@@ -2488,7 +2488,7 @@
             <a:fld id="{6DB54F77-3742-4919-9EAD-96757A014E94}" type="datetime1">
               <a:rPr lang="zh-CN" altLang="en-US" smtClean="0"/>
               <a:pPr/>
-              <a:t>2016/12/3</a:t>
+              <a:t>2016/12/4</a:t>
             </a:fld>
             <a:endParaRPr lang="zh-CN" altLang="en-US" dirty="0"/>
           </a:p>
@@ -2626,7 +2626,7 @@
             <a:fld id="{9C6EB163-526A-4855-8844-4C6501B96975}" type="datetime1">
               <a:rPr lang="zh-CN" altLang="en-US" smtClean="0"/>
               <a:pPr/>
-              <a:t>2016/12/3</a:t>
+              <a:t>2016/12/4</a:t>
             </a:fld>
             <a:endParaRPr lang="zh-CN" altLang="en-US" dirty="0"/>
           </a:p>
@@ -2740,7 +2740,7 @@
             <a:fld id="{4E9B638C-251D-44EC-B8B2-08EC45208A21}" type="datetime1">
               <a:rPr lang="zh-CN" altLang="en-US" smtClean="0"/>
               <a:pPr/>
-              <a:t>2016/12/3</a:t>
+              <a:t>2016/12/4</a:t>
             </a:fld>
             <a:endParaRPr lang="zh-CN" altLang="en-US" dirty="0"/>
           </a:p>
@@ -3132,7 +3132,7 @@
             <a:fld id="{0D005F57-EA56-4A95-B718-20B6AA09091F}" type="datetime1">
               <a:rPr lang="zh-CN" altLang="en-US" smtClean="0"/>
               <a:pPr/>
-              <a:t>2016/12/3</a:t>
+              <a:t>2016/12/4</a:t>
             </a:fld>
             <a:endParaRPr lang="zh-CN" altLang="en-US" dirty="0"/>
           </a:p>
@@ -3506,7 +3506,7 @@
             <a:fld id="{06F99FFF-1AD8-41BA-A4C2-05782CB95A16}" type="datetime1">
               <a:rPr lang="zh-CN" altLang="en-US" smtClean="0"/>
               <a:pPr/>
-              <a:t>2016/12/3</a:t>
+              <a:t>2016/12/4</a:t>
             </a:fld>
             <a:endParaRPr lang="zh-CN" altLang="en-US" dirty="0"/>
           </a:p>
@@ -3820,7 +3820,7 @@
             <a:fld id="{474EC2AD-E193-40F2-8E09-6DD726A8C215}" type="datetime1">
               <a:rPr lang="zh-CN" altLang="en-US" smtClean="0"/>
               <a:pPr/>
-              <a:t>2016/12/3</a:t>
+              <a:t>2016/12/4</a:t>
             </a:fld>
             <a:endParaRPr lang="zh-CN" altLang="en-US" dirty="0"/>
           </a:p>
@@ -9526,11 +9526,7 @@
             </a:r>
             <a:r>
               <a:rPr lang="zh-CN" altLang="en-US" dirty="0" smtClean="0"/>
-              <a:t>内置</a:t>
-            </a:r>
-            <a:r>
-              <a:rPr lang="zh-CN" altLang="en-US" dirty="0" smtClean="0"/>
-              <a:t>对象</a:t>
+              <a:t>内置对象</a:t>
             </a:r>
             <a:endParaRPr lang="en-US" altLang="zh-CN" dirty="0" smtClean="0"/>
           </a:p>
@@ -14634,21 +14630,21 @@
                 <a:gridCol w="1440160">
                   <a:extLst>
                     <a:ext uri="{9D8B030D-6E8A-4147-A177-3AD203B41FA5}">
-                      <a16:colId xmlns="" xmlns:a16="http://schemas.microsoft.com/office/drawing/2014/main" val="675992682"/>
+                      <a16:colId xmlns:a16="http://schemas.microsoft.com/office/drawing/2014/main" xmlns="" val="675992682"/>
                     </a:ext>
                   </a:extLst>
                 </a:gridCol>
                 <a:gridCol w="5472608">
                   <a:extLst>
                     <a:ext uri="{9D8B030D-6E8A-4147-A177-3AD203B41FA5}">
-                      <a16:colId xmlns="" xmlns:a16="http://schemas.microsoft.com/office/drawing/2014/main" val="2437441689"/>
+                      <a16:colId xmlns:a16="http://schemas.microsoft.com/office/drawing/2014/main" xmlns="" val="2437441689"/>
                     </a:ext>
                   </a:extLst>
                 </a:gridCol>
                 <a:gridCol w="1440160">
                   <a:extLst>
                     <a:ext uri="{9D8B030D-6E8A-4147-A177-3AD203B41FA5}">
-                      <a16:colId xmlns="" xmlns:a16="http://schemas.microsoft.com/office/drawing/2014/main" val="304556107"/>
+                      <a16:colId xmlns:a16="http://schemas.microsoft.com/office/drawing/2014/main" xmlns="" val="304556107"/>
                     </a:ext>
                   </a:extLst>
                 </a:gridCol>
@@ -14695,7 +14691,7 @@
                 </a:tc>
                 <a:extLst>
                   <a:ext uri="{0D108BD9-81ED-4DB2-BD59-A6C34878D82A}">
-                    <a16:rowId xmlns="" xmlns:a16="http://schemas.microsoft.com/office/drawing/2014/main" val="546494783"/>
+                    <a16:rowId xmlns:a16="http://schemas.microsoft.com/office/drawing/2014/main" xmlns="" val="546494783"/>
                   </a:ext>
                 </a:extLst>
               </a:tr>
@@ -14743,7 +14739,7 @@
                 </a:tc>
                 <a:extLst>
                   <a:ext uri="{0D108BD9-81ED-4DB2-BD59-A6C34878D82A}">
-                    <a16:rowId xmlns="" xmlns:a16="http://schemas.microsoft.com/office/drawing/2014/main" val="3819356858"/>
+                    <a16:rowId xmlns:a16="http://schemas.microsoft.com/office/drawing/2014/main" xmlns="" val="3819356858"/>
                   </a:ext>
                 </a:extLst>
               </a:tr>
@@ -14791,7 +14787,7 @@
                 </a:tc>
                 <a:extLst>
                   <a:ext uri="{0D108BD9-81ED-4DB2-BD59-A6C34878D82A}">
-                    <a16:rowId xmlns="" xmlns:a16="http://schemas.microsoft.com/office/drawing/2014/main" val="2099491636"/>
+                    <a16:rowId xmlns:a16="http://schemas.microsoft.com/office/drawing/2014/main" xmlns="" val="2099491636"/>
                   </a:ext>
                 </a:extLst>
               </a:tr>
@@ -14838,7 +14834,7 @@
                 </a:tc>
                 <a:extLst>
                   <a:ext uri="{0D108BD9-81ED-4DB2-BD59-A6C34878D82A}">
-                    <a16:rowId xmlns="" xmlns:a16="http://schemas.microsoft.com/office/drawing/2014/main" val="513822293"/>
+                    <a16:rowId xmlns:a16="http://schemas.microsoft.com/office/drawing/2014/main" xmlns="" val="513822293"/>
                   </a:ext>
                 </a:extLst>
               </a:tr>
@@ -14886,7 +14882,7 @@
                 </a:tc>
                 <a:extLst>
                   <a:ext uri="{0D108BD9-81ED-4DB2-BD59-A6C34878D82A}">
-                    <a16:rowId xmlns="" xmlns:a16="http://schemas.microsoft.com/office/drawing/2014/main" val="301125140"/>
+                    <a16:rowId xmlns:a16="http://schemas.microsoft.com/office/drawing/2014/main" xmlns="" val="301125140"/>
                   </a:ext>
                 </a:extLst>
               </a:tr>
@@ -14933,7 +14929,7 @@
                 </a:tc>
                 <a:extLst>
                   <a:ext uri="{0D108BD9-81ED-4DB2-BD59-A6C34878D82A}">
-                    <a16:rowId xmlns="" xmlns:a16="http://schemas.microsoft.com/office/drawing/2014/main" val="1032011197"/>
+                    <a16:rowId xmlns:a16="http://schemas.microsoft.com/office/drawing/2014/main" xmlns="" val="1032011197"/>
                   </a:ext>
                 </a:extLst>
               </a:tr>
@@ -15073,21 +15069,21 @@
                 <a:gridCol w="1728192">
                   <a:extLst>
                     <a:ext uri="{9D8B030D-6E8A-4147-A177-3AD203B41FA5}">
-                      <a16:colId xmlns="" xmlns:a16="http://schemas.microsoft.com/office/drawing/2014/main" val="3974842544"/>
+                      <a16:colId xmlns:a16="http://schemas.microsoft.com/office/drawing/2014/main" xmlns="" val="3974842544"/>
                     </a:ext>
                   </a:extLst>
                 </a:gridCol>
                 <a:gridCol w="5184576">
                   <a:extLst>
                     <a:ext uri="{9D8B030D-6E8A-4147-A177-3AD203B41FA5}">
-                      <a16:colId xmlns="" xmlns:a16="http://schemas.microsoft.com/office/drawing/2014/main" val="786645796"/>
+                      <a16:colId xmlns:a16="http://schemas.microsoft.com/office/drawing/2014/main" xmlns="" val="786645796"/>
                     </a:ext>
                   </a:extLst>
                 </a:gridCol>
                 <a:gridCol w="1440160">
                   <a:extLst>
                     <a:ext uri="{9D8B030D-6E8A-4147-A177-3AD203B41FA5}">
-                      <a16:colId xmlns="" xmlns:a16="http://schemas.microsoft.com/office/drawing/2014/main" val="2408294006"/>
+                      <a16:colId xmlns:a16="http://schemas.microsoft.com/office/drawing/2014/main" xmlns="" val="2408294006"/>
                     </a:ext>
                   </a:extLst>
                 </a:gridCol>
@@ -15134,7 +15130,7 @@
                 </a:tc>
                 <a:extLst>
                   <a:ext uri="{0D108BD9-81ED-4DB2-BD59-A6C34878D82A}">
-                    <a16:rowId xmlns="" xmlns:a16="http://schemas.microsoft.com/office/drawing/2014/main" val="2522839197"/>
+                    <a16:rowId xmlns:a16="http://schemas.microsoft.com/office/drawing/2014/main" xmlns="" val="2522839197"/>
                   </a:ext>
                 </a:extLst>
               </a:tr>
@@ -15228,7 +15224,7 @@
                 </a:tc>
                 <a:extLst>
                   <a:ext uri="{0D108BD9-81ED-4DB2-BD59-A6C34878D82A}">
-                    <a16:rowId xmlns="" xmlns:a16="http://schemas.microsoft.com/office/drawing/2014/main" val="2085448233"/>
+                    <a16:rowId xmlns:a16="http://schemas.microsoft.com/office/drawing/2014/main" xmlns="" val="2085448233"/>
                   </a:ext>
                 </a:extLst>
               </a:tr>
@@ -15284,7 +15280,7 @@
                 </a:tc>
                 <a:extLst>
                   <a:ext uri="{0D108BD9-81ED-4DB2-BD59-A6C34878D82A}">
-                    <a16:rowId xmlns="" xmlns:a16="http://schemas.microsoft.com/office/drawing/2014/main" val="479664106"/>
+                    <a16:rowId xmlns:a16="http://schemas.microsoft.com/office/drawing/2014/main" xmlns="" val="479664106"/>
                   </a:ext>
                 </a:extLst>
               </a:tr>
@@ -15332,7 +15328,7 @@
                 </a:tc>
                 <a:extLst>
                   <a:ext uri="{0D108BD9-81ED-4DB2-BD59-A6C34878D82A}">
-                    <a16:rowId xmlns="" xmlns:a16="http://schemas.microsoft.com/office/drawing/2014/main" val="2812829691"/>
+                    <a16:rowId xmlns:a16="http://schemas.microsoft.com/office/drawing/2014/main" xmlns="" val="2812829691"/>
                   </a:ext>
                 </a:extLst>
               </a:tr>
@@ -15380,7 +15376,7 @@
                 </a:tc>
                 <a:extLst>
                   <a:ext uri="{0D108BD9-81ED-4DB2-BD59-A6C34878D82A}">
-                    <a16:rowId xmlns="" xmlns:a16="http://schemas.microsoft.com/office/drawing/2014/main" val="3065207093"/>
+                    <a16:rowId xmlns:a16="http://schemas.microsoft.com/office/drawing/2014/main" xmlns="" val="3065207093"/>
                   </a:ext>
                 </a:extLst>
               </a:tr>
@@ -15436,7 +15432,7 @@
                 </a:tc>
                 <a:extLst>
                   <a:ext uri="{0D108BD9-81ED-4DB2-BD59-A6C34878D82A}">
-                    <a16:rowId xmlns="" xmlns:a16="http://schemas.microsoft.com/office/drawing/2014/main" val="2637843800"/>
+                    <a16:rowId xmlns:a16="http://schemas.microsoft.com/office/drawing/2014/main" xmlns="" val="2637843800"/>
                   </a:ext>
                 </a:extLst>
               </a:tr>
@@ -15484,7 +15480,7 @@
                 </a:tc>
                 <a:extLst>
                   <a:ext uri="{0D108BD9-81ED-4DB2-BD59-A6C34878D82A}">
-                    <a16:rowId xmlns="" xmlns:a16="http://schemas.microsoft.com/office/drawing/2014/main" val="2492110030"/>
+                    <a16:rowId xmlns:a16="http://schemas.microsoft.com/office/drawing/2014/main" xmlns="" val="2492110030"/>
                   </a:ext>
                 </a:extLst>
               </a:tr>
@@ -15532,7 +15528,7 @@
                 </a:tc>
                 <a:extLst>
                   <a:ext uri="{0D108BD9-81ED-4DB2-BD59-A6C34878D82A}">
-                    <a16:rowId xmlns="" xmlns:a16="http://schemas.microsoft.com/office/drawing/2014/main" val="930772148"/>
+                    <a16:rowId xmlns:a16="http://schemas.microsoft.com/office/drawing/2014/main" xmlns="" val="930772148"/>
                   </a:ext>
                 </a:extLst>
               </a:tr>
@@ -15580,7 +15576,7 @@
                 </a:tc>
                 <a:extLst>
                   <a:ext uri="{0D108BD9-81ED-4DB2-BD59-A6C34878D82A}">
-                    <a16:rowId xmlns="" xmlns:a16="http://schemas.microsoft.com/office/drawing/2014/main" val="2968282085"/>
+                    <a16:rowId xmlns:a16="http://schemas.microsoft.com/office/drawing/2014/main" xmlns="" val="2968282085"/>
                   </a:ext>
                 </a:extLst>
               </a:tr>
@@ -15628,7 +15624,7 @@
                 </a:tc>
                 <a:extLst>
                   <a:ext uri="{0D108BD9-81ED-4DB2-BD59-A6C34878D82A}">
-                    <a16:rowId xmlns="" xmlns:a16="http://schemas.microsoft.com/office/drawing/2014/main" val="2235800461"/>
+                    <a16:rowId xmlns:a16="http://schemas.microsoft.com/office/drawing/2014/main" xmlns="" val="2235800461"/>
                   </a:ext>
                 </a:extLst>
               </a:tr>
@@ -15768,21 +15764,21 @@
                 <a:gridCol w="1728192">
                   <a:extLst>
                     <a:ext uri="{9D8B030D-6E8A-4147-A177-3AD203B41FA5}">
-                      <a16:colId xmlns="" xmlns:a16="http://schemas.microsoft.com/office/drawing/2014/main" val="3974842544"/>
+                      <a16:colId xmlns:a16="http://schemas.microsoft.com/office/drawing/2014/main" xmlns="" val="3974842544"/>
                     </a:ext>
                   </a:extLst>
                 </a:gridCol>
                 <a:gridCol w="5184576">
                   <a:extLst>
                     <a:ext uri="{9D8B030D-6E8A-4147-A177-3AD203B41FA5}">
-                      <a16:colId xmlns="" xmlns:a16="http://schemas.microsoft.com/office/drawing/2014/main" val="786645796"/>
+                      <a16:colId xmlns:a16="http://schemas.microsoft.com/office/drawing/2014/main" xmlns="" val="786645796"/>
                     </a:ext>
                   </a:extLst>
                 </a:gridCol>
                 <a:gridCol w="1440160">
                   <a:extLst>
                     <a:ext uri="{9D8B030D-6E8A-4147-A177-3AD203B41FA5}">
-                      <a16:colId xmlns="" xmlns:a16="http://schemas.microsoft.com/office/drawing/2014/main" val="2408294006"/>
+                      <a16:colId xmlns:a16="http://schemas.microsoft.com/office/drawing/2014/main" xmlns="" val="2408294006"/>
                     </a:ext>
                   </a:extLst>
                 </a:gridCol>
@@ -15829,7 +15825,7 @@
                 </a:tc>
                 <a:extLst>
                   <a:ext uri="{0D108BD9-81ED-4DB2-BD59-A6C34878D82A}">
-                    <a16:rowId xmlns="" xmlns:a16="http://schemas.microsoft.com/office/drawing/2014/main" val="2522839197"/>
+                    <a16:rowId xmlns:a16="http://schemas.microsoft.com/office/drawing/2014/main" xmlns="" val="2522839197"/>
                   </a:ext>
                 </a:extLst>
               </a:tr>
@@ -15911,7 +15907,7 @@
                 </a:tc>
                 <a:extLst>
                   <a:ext uri="{0D108BD9-81ED-4DB2-BD59-A6C34878D82A}">
-                    <a16:rowId xmlns="" xmlns:a16="http://schemas.microsoft.com/office/drawing/2014/main" val="2085448233"/>
+                    <a16:rowId xmlns:a16="http://schemas.microsoft.com/office/drawing/2014/main" xmlns="" val="2085448233"/>
                   </a:ext>
                 </a:extLst>
               </a:tr>
@@ -15959,7 +15955,7 @@
                 </a:tc>
                 <a:extLst>
                   <a:ext uri="{0D108BD9-81ED-4DB2-BD59-A6C34878D82A}">
-                    <a16:rowId xmlns="" xmlns:a16="http://schemas.microsoft.com/office/drawing/2014/main" val="479664106"/>
+                    <a16:rowId xmlns:a16="http://schemas.microsoft.com/office/drawing/2014/main" xmlns="" val="479664106"/>
                   </a:ext>
                 </a:extLst>
               </a:tr>
@@ -16007,7 +16003,7 @@
                 </a:tc>
                 <a:extLst>
                   <a:ext uri="{0D108BD9-81ED-4DB2-BD59-A6C34878D82A}">
-                    <a16:rowId xmlns="" xmlns:a16="http://schemas.microsoft.com/office/drawing/2014/main" val="2812829691"/>
+                    <a16:rowId xmlns:a16="http://schemas.microsoft.com/office/drawing/2014/main" xmlns="" val="2812829691"/>
                   </a:ext>
                 </a:extLst>
               </a:tr>
@@ -16055,7 +16051,7 @@
                 </a:tc>
                 <a:extLst>
                   <a:ext uri="{0D108BD9-81ED-4DB2-BD59-A6C34878D82A}">
-                    <a16:rowId xmlns="" xmlns:a16="http://schemas.microsoft.com/office/drawing/2014/main" val="3065207093"/>
+                    <a16:rowId xmlns:a16="http://schemas.microsoft.com/office/drawing/2014/main" xmlns="" val="3065207093"/>
                   </a:ext>
                 </a:extLst>
               </a:tr>
@@ -16103,7 +16099,7 @@
                 </a:tc>
                 <a:extLst>
                   <a:ext uri="{0D108BD9-81ED-4DB2-BD59-A6C34878D82A}">
-                    <a16:rowId xmlns="" xmlns:a16="http://schemas.microsoft.com/office/drawing/2014/main" val="2637843800"/>
+                    <a16:rowId xmlns:a16="http://schemas.microsoft.com/office/drawing/2014/main" xmlns="" val="2637843800"/>
                   </a:ext>
                 </a:extLst>
               </a:tr>
@@ -16155,7 +16151,7 @@
                 </a:tc>
                 <a:extLst>
                   <a:ext uri="{0D108BD9-81ED-4DB2-BD59-A6C34878D82A}">
-                    <a16:rowId xmlns="" xmlns:a16="http://schemas.microsoft.com/office/drawing/2014/main" val="2492110030"/>
+                    <a16:rowId xmlns:a16="http://schemas.microsoft.com/office/drawing/2014/main" xmlns="" val="2492110030"/>
                   </a:ext>
                 </a:extLst>
               </a:tr>
@@ -16517,7 +16513,7 @@
         <p:spPr>
           <a:xfrm>
             <a:off x="1089807" y="1772816"/>
-            <a:ext cx="10477213" cy="4464496"/>
+            <a:ext cx="10477213" cy="5045242"/>
           </a:xfrm>
           <a:prstGeom prst="rect">
             <a:avLst/>
@@ -24137,7 +24133,7 @@
         <p:spPr>
           <a:xfrm>
             <a:off x="1119496" y="1473200"/>
-            <a:ext cx="10157354" cy="4470400"/>
+            <a:ext cx="10157354" cy="5384800"/>
           </a:xfrm>
         </p:spPr>
         <p:txBody>
@@ -24177,8 +24173,17 @@
             </a:r>
             <a:r>
               <a:rPr lang="zh-CN" altLang="en-US" dirty="0"/>
-              <a:t>仍然是最受欢迎的编程语言，而将近一半的开发者并没有计算机的相关学位。</a:t>
-            </a:r>
+              <a:t>仍然是最受欢迎的编程语言，而将近一半的开发者并没有计算机的相关学位</a:t>
+            </a:r>
+            <a:r>
+              <a:rPr lang="zh-CN" altLang="en-US" dirty="0" smtClean="0"/>
+              <a:t>。</a:t>
+            </a:r>
+            <a:r>
+              <a:rPr lang="en-US" altLang="zh-CN" dirty="0"/>
+              <a:t> http://36kr.com/p/5041893.html</a:t>
+            </a:r>
+            <a:endParaRPr lang="zh-CN" altLang="en-US" dirty="0"/>
           </a:p>
         </p:txBody>
       </p:sp>
@@ -28542,15 +28547,6 @@
 </file>
 
 <file path=customXml/item1.xml><?xml version="1.0" encoding="utf-8"?>
-<?mso-contentType ?>
-<FormTemplates xmlns="http://schemas.microsoft.com/sharepoint/v3/contenttype/forms">
-  <Display>DocumentLibraryForm</Display>
-  <Edit>AssetEditForm</Edit>
-  <New>DocumentLibraryForm</New>
-</FormTemplates>
-</file>
-
-<file path=customXml/item2.xml><?xml version="1.0" encoding="utf-8"?>
 <p:properties xmlns:p="http://schemas.microsoft.com/office/2006/metadata/properties" xmlns:xsi="http://www.w3.org/2001/XMLSchema-instance" xmlns:pc="http://schemas.microsoft.com/office/infopath/2007/PartnerControls">
   <documentManagement>
     <LocPublishedLinkedAssetsLookup xmlns="4873beb7-5857-4685-be1f-d57550cc96cc" xsi:nil="true"/>
@@ -28686,7 +28682,7 @@
 </p:properties>
 </file>
 
-<file path=customXml/item3.xml><?xml version="1.0" encoding="utf-8"?>
+<file path=customXml/item2.xml><?xml version="1.0" encoding="utf-8"?>
 <ct:contentTypeSchema xmlns:ct="http://schemas.microsoft.com/office/2006/metadata/contentType" xmlns:ma="http://schemas.microsoft.com/office/2006/metadata/properties/metaAttributes" ct:_="" ma:_="" ma:contentTypeName="TemplateFile" ma:contentTypeID="0x0101006EDDDB5EE6D98C44930B742096920B300400F5B6D36B3EF94B4E9A635CDF2A18F5B8" ma:contentTypeVersion="72" ma:contentTypeDescription="Create a new document." ma:contentTypeScope="" ma:versionID="a23e56308344d904b51738559c3d67c9">
   <xsd:schema xmlns:xsd="http://www.w3.org/2001/XMLSchema" xmlns:xs="http://www.w3.org/2001/XMLSchema" xmlns:p="http://schemas.microsoft.com/office/2006/metadata/properties" xmlns:ns2="4873beb7-5857-4685-be1f-d57550cc96cc" targetNamespace="http://schemas.microsoft.com/office/2006/metadata/properties" ma:root="true" ma:fieldsID="cd0908cc4600e77bf5da051303e00c8d" ns2:_="">
     <xsd:import namespace="4873beb7-5857-4685-be1f-d57550cc96cc"/>
@@ -29726,15 +29722,16 @@
 </ct:contentTypeSchema>
 </file>
 
-<file path=customXml/itemProps1.xml><?xml version="1.0" encoding="utf-8"?>
-<ds:datastoreItem xmlns:ds="http://schemas.openxmlformats.org/officeDocument/2006/customXml" ds:itemID="{E1B558C7-619B-49BE-9097-7FCBDADD4ECE}">
-  <ds:schemaRefs>
-    <ds:schemaRef ds:uri="http://schemas.microsoft.com/sharepoint/v3/contenttype/forms"/>
-  </ds:schemaRefs>
-</ds:datastoreItem>
+<file path=customXml/item3.xml><?xml version="1.0" encoding="utf-8"?>
+<?mso-contentType ?>
+<FormTemplates xmlns="http://schemas.microsoft.com/sharepoint/v3/contenttype/forms">
+  <Display>DocumentLibraryForm</Display>
+  <Edit>AssetEditForm</Edit>
+  <New>DocumentLibraryForm</New>
+</FormTemplates>
 </file>
 
-<file path=customXml/itemProps2.xml><?xml version="1.0" encoding="utf-8"?>
+<file path=customXml/itemProps1.xml><?xml version="1.0" encoding="utf-8"?>
 <ds:datastoreItem xmlns:ds="http://schemas.openxmlformats.org/officeDocument/2006/customXml" ds:itemID="{F301D382-32B0-43EE-932C-28906AF37617}">
   <ds:schemaRefs>
     <ds:schemaRef ds:uri="http://purl.org/dc/terms/"/>
@@ -29750,7 +29747,7 @@
 </ds:datastoreItem>
 </file>
 
-<file path=customXml/itemProps3.xml><?xml version="1.0" encoding="utf-8"?>
+<file path=customXml/itemProps2.xml><?xml version="1.0" encoding="utf-8"?>
 <ds:datastoreItem xmlns:ds="http://schemas.openxmlformats.org/officeDocument/2006/customXml" ds:itemID="{BBB5C329-08A6-4E5E-AEF1-A97828C87411}">
   <ds:schemaRefs>
     <ds:schemaRef ds:uri="http://schemas.microsoft.com/office/2006/metadata/contentType"/>
@@ -29766,4 +29763,12 @@
     <ds:schemaRef ds:uri="http://schemas.microsoft.com/internal/obd"/>
   </ds:schemaRefs>
 </ds:datastoreItem>
+</file>
+
+<file path=customXml/itemProps3.xml><?xml version="1.0" encoding="utf-8"?>
+<ds:datastoreItem xmlns:ds="http://schemas.openxmlformats.org/officeDocument/2006/customXml" ds:itemID="{E1B558C7-619B-49BE-9097-7FCBDADD4ECE}">
+  <ds:schemaRefs>
+    <ds:schemaRef ds:uri="http://schemas.microsoft.com/sharepoint/v3/contenttype/forms"/>
+  </ds:schemaRefs>
+</ds:datastoreItem>
 </file>
--- a/ppt/js/JavaScript初级教程.pptx
+++ b/ppt/js/JavaScript初级教程.pptx
@@ -283,7 +283,7 @@
                 <a:ea typeface="微软雅黑" panose="020B0503020204020204" pitchFamily="34" charset="-122"/>
               </a:rPr>
               <a:pPr algn="r" rtl="0"/>
-              <a:t>2016/12/4</a:t>
+              <a:t>2016/12/5</a:t>
             </a:fld>
             <a:endParaRPr lang="zh-CN" altLang="en-US" dirty="0">
               <a:solidFill>
@@ -488,7 +488,7 @@
             <a:fld id="{06B449BB-9F99-43EE-A1AA-ED1E313F74C2}" type="datetime1">
               <a:rPr lang="zh-CN" altLang="en-US" smtClean="0"/>
               <a:pPr/>
-              <a:t>2016/12/4</a:t>
+              <a:t>2016/12/5</a:t>
             </a:fld>
             <a:endParaRPr lang="zh-CN" altLang="en-US" dirty="0"/>
           </a:p>
@@ -1101,7 +1101,7 @@
             <a:fld id="{55677D0B-F53C-4787-A85A-18D33BC3BEA1}" type="datetime1">
               <a:rPr lang="zh-CN" altLang="en-US" smtClean="0"/>
               <a:pPr/>
-              <a:t>2016/12/4</a:t>
+              <a:t>2016/12/5</a:t>
             </a:fld>
             <a:endParaRPr lang="zh-CN" altLang="en-US" dirty="0"/>
           </a:p>
@@ -1301,7 +1301,7 @@
             <a:fld id="{54B89B6B-C640-4814-94E3-C138F9C73EE7}" type="datetime1">
               <a:rPr lang="zh-CN" altLang="en-US" smtClean="0"/>
               <a:pPr/>
-              <a:t>2016/12/4</a:t>
+              <a:t>2016/12/5</a:t>
             </a:fld>
             <a:endParaRPr lang="zh-CN" altLang="en-US" dirty="0"/>
           </a:p>
@@ -1507,7 +1507,7 @@
             <a:fld id="{3D2BB3D5-B3F4-4256-B6ED-4B874E5DE258}" type="datetime1">
               <a:rPr lang="zh-CN" altLang="en-US" smtClean="0"/>
               <a:pPr/>
-              <a:t>2016/12/4</a:t>
+              <a:t>2016/12/5</a:t>
             </a:fld>
             <a:endParaRPr lang="zh-CN" altLang="en-US" dirty="0"/>
           </a:p>
@@ -2032,7 +2032,7 @@
             <a:fld id="{109DE028-75A5-419A-B395-C2EDFBD58642}" type="datetime1">
               <a:rPr lang="zh-CN" altLang="en-US" smtClean="0"/>
               <a:pPr/>
-              <a:t>2016/12/4</a:t>
+              <a:t>2016/12/5</a:t>
             </a:fld>
             <a:endParaRPr lang="zh-CN" altLang="en-US" dirty="0"/>
           </a:p>
@@ -2488,7 +2488,7 @@
             <a:fld id="{6DB54F77-3742-4919-9EAD-96757A014E94}" type="datetime1">
               <a:rPr lang="zh-CN" altLang="en-US" smtClean="0"/>
               <a:pPr/>
-              <a:t>2016/12/4</a:t>
+              <a:t>2016/12/5</a:t>
             </a:fld>
             <a:endParaRPr lang="zh-CN" altLang="en-US" dirty="0"/>
           </a:p>
@@ -2626,7 +2626,7 @@
             <a:fld id="{9C6EB163-526A-4855-8844-4C6501B96975}" type="datetime1">
               <a:rPr lang="zh-CN" altLang="en-US" smtClean="0"/>
               <a:pPr/>
-              <a:t>2016/12/4</a:t>
+              <a:t>2016/12/5</a:t>
             </a:fld>
             <a:endParaRPr lang="zh-CN" altLang="en-US" dirty="0"/>
           </a:p>
@@ -2740,7 +2740,7 @@
             <a:fld id="{4E9B638C-251D-44EC-B8B2-08EC45208A21}" type="datetime1">
               <a:rPr lang="zh-CN" altLang="en-US" smtClean="0"/>
               <a:pPr/>
-              <a:t>2016/12/4</a:t>
+              <a:t>2016/12/5</a:t>
             </a:fld>
             <a:endParaRPr lang="zh-CN" altLang="en-US" dirty="0"/>
           </a:p>
@@ -3132,7 +3132,7 @@
             <a:fld id="{0D005F57-EA56-4A95-B718-20B6AA09091F}" type="datetime1">
               <a:rPr lang="zh-CN" altLang="en-US" smtClean="0"/>
               <a:pPr/>
-              <a:t>2016/12/4</a:t>
+              <a:t>2016/12/5</a:t>
             </a:fld>
             <a:endParaRPr lang="zh-CN" altLang="en-US" dirty="0"/>
           </a:p>
@@ -3506,7 +3506,7 @@
             <a:fld id="{06F99FFF-1AD8-41BA-A4C2-05782CB95A16}" type="datetime1">
               <a:rPr lang="zh-CN" altLang="en-US" smtClean="0"/>
               <a:pPr/>
-              <a:t>2016/12/4</a:t>
+              <a:t>2016/12/5</a:t>
             </a:fld>
             <a:endParaRPr lang="zh-CN" altLang="en-US" dirty="0"/>
           </a:p>
@@ -3820,7 +3820,7 @@
             <a:fld id="{474EC2AD-E193-40F2-8E09-6DD726A8C215}" type="datetime1">
               <a:rPr lang="zh-CN" altLang="en-US" smtClean="0"/>
               <a:pPr/>
-              <a:t>2016/12/4</a:t>
+              <a:t>2016/12/5</a:t>
             </a:fld>
             <a:endParaRPr lang="zh-CN" altLang="en-US" dirty="0"/>
           </a:p>
@@ -11282,9 +11282,53 @@
             </a:r>
             <a:r>
               <a:rPr lang="zh-CN" altLang="en-US" dirty="0"/>
-              <a:t>中获取这些属性。</a:t>
-            </a:r>
+              <a:t>中获取这些属性</a:t>
+            </a:r>
+            <a:r>
+              <a:rPr lang="zh-CN" altLang="en-US" dirty="0" smtClean="0"/>
+              <a:t>。</a:t>
+            </a:r>
+            <a:endParaRPr lang="en-US" altLang="zh-CN" dirty="0" smtClean="0"/>
+          </a:p>
+          <a:p>
+            <a:pPr marL="0" indent="0">
+              <a:buNone/>
+            </a:pPr>
             <a:endParaRPr lang="en-US" dirty="0"/>
+          </a:p>
+          <a:p>
+            <a:pPr marL="0" indent="0">
+              <a:buNone/>
+            </a:pPr>
+            <a:r>
+              <a:rPr lang="en-US" sz="1200" dirty="0" smtClean="0">
+                <a:solidFill>
+                  <a:srgbClr val="FF0000"/>
+                </a:solidFill>
+              </a:rPr>
+              <a:t>2016</a:t>
+            </a:r>
+            <a:r>
+              <a:rPr lang="en-US" altLang="zh-CN" sz="1200" dirty="0" smtClean="0">
+                <a:solidFill>
+                  <a:srgbClr val="FF0000"/>
+                </a:solidFill>
+              </a:rPr>
+              <a:t>/12/5 </a:t>
+            </a:r>
+            <a:r>
+              <a:rPr lang="zh-CN" altLang="en-US" sz="1200" dirty="0" smtClean="0">
+                <a:solidFill>
+                  <a:srgbClr val="FF0000"/>
+                </a:solidFill>
+              </a:rPr>
+              <a:t>终点</a:t>
+            </a:r>
+            <a:endParaRPr lang="en-US" sz="1200" dirty="0">
+              <a:solidFill>
+                <a:srgbClr val="FF0000"/>
+              </a:solidFill>
+            </a:endParaRPr>
           </a:p>
         </p:txBody>
       </p:sp>
@@ -14630,21 +14674,21 @@
                 <a:gridCol w="1440160">
                   <a:extLst>
                     <a:ext uri="{9D8B030D-6E8A-4147-A177-3AD203B41FA5}">
-                      <a16:colId xmlns:a16="http://schemas.microsoft.com/office/drawing/2014/main" xmlns="" val="675992682"/>
+                      <a16:colId xmlns="" xmlns:a16="http://schemas.microsoft.com/office/drawing/2014/main" val="675992682"/>
                     </a:ext>
                   </a:extLst>
                 </a:gridCol>
                 <a:gridCol w="5472608">
                   <a:extLst>
                     <a:ext uri="{9D8B030D-6E8A-4147-A177-3AD203B41FA5}">
-                      <a16:colId xmlns:a16="http://schemas.microsoft.com/office/drawing/2014/main" xmlns="" val="2437441689"/>
+                      <a16:colId xmlns="" xmlns:a16="http://schemas.microsoft.com/office/drawing/2014/main" val="2437441689"/>
                     </a:ext>
                   </a:extLst>
                 </a:gridCol>
                 <a:gridCol w="1440160">
                   <a:extLst>
                     <a:ext uri="{9D8B030D-6E8A-4147-A177-3AD203B41FA5}">
-                      <a16:colId xmlns:a16="http://schemas.microsoft.com/office/drawing/2014/main" xmlns="" val="304556107"/>
+                      <a16:colId xmlns="" xmlns:a16="http://schemas.microsoft.com/office/drawing/2014/main" val="304556107"/>
                     </a:ext>
                   </a:extLst>
                 </a:gridCol>
@@ -14691,7 +14735,7 @@
                 </a:tc>
                 <a:extLst>
                   <a:ext uri="{0D108BD9-81ED-4DB2-BD59-A6C34878D82A}">
-                    <a16:rowId xmlns:a16="http://schemas.microsoft.com/office/drawing/2014/main" xmlns="" val="546494783"/>
+                    <a16:rowId xmlns="" xmlns:a16="http://schemas.microsoft.com/office/drawing/2014/main" val="546494783"/>
                   </a:ext>
                 </a:extLst>
               </a:tr>
@@ -14739,7 +14783,7 @@
                 </a:tc>
                 <a:extLst>
                   <a:ext uri="{0D108BD9-81ED-4DB2-BD59-A6C34878D82A}">
-                    <a16:rowId xmlns:a16="http://schemas.microsoft.com/office/drawing/2014/main" xmlns="" val="3819356858"/>
+                    <a16:rowId xmlns="" xmlns:a16="http://schemas.microsoft.com/office/drawing/2014/main" val="3819356858"/>
                   </a:ext>
                 </a:extLst>
               </a:tr>
@@ -14787,7 +14831,7 @@
                 </a:tc>
                 <a:extLst>
                   <a:ext uri="{0D108BD9-81ED-4DB2-BD59-A6C34878D82A}">
-                    <a16:rowId xmlns:a16="http://schemas.microsoft.com/office/drawing/2014/main" xmlns="" val="2099491636"/>
+                    <a16:rowId xmlns="" xmlns:a16="http://schemas.microsoft.com/office/drawing/2014/main" val="2099491636"/>
                   </a:ext>
                 </a:extLst>
               </a:tr>
@@ -14834,7 +14878,7 @@
                 </a:tc>
                 <a:extLst>
                   <a:ext uri="{0D108BD9-81ED-4DB2-BD59-A6C34878D82A}">
-                    <a16:rowId xmlns:a16="http://schemas.microsoft.com/office/drawing/2014/main" xmlns="" val="513822293"/>
+                    <a16:rowId xmlns="" xmlns:a16="http://schemas.microsoft.com/office/drawing/2014/main" val="513822293"/>
                   </a:ext>
                 </a:extLst>
               </a:tr>
@@ -14882,7 +14926,7 @@
                 </a:tc>
                 <a:extLst>
                   <a:ext uri="{0D108BD9-81ED-4DB2-BD59-A6C34878D82A}">
-                    <a16:rowId xmlns:a16="http://schemas.microsoft.com/office/drawing/2014/main" xmlns="" val="301125140"/>
+                    <a16:rowId xmlns="" xmlns:a16="http://schemas.microsoft.com/office/drawing/2014/main" val="301125140"/>
                   </a:ext>
                 </a:extLst>
               </a:tr>
@@ -14929,7 +14973,7 @@
                 </a:tc>
                 <a:extLst>
                   <a:ext uri="{0D108BD9-81ED-4DB2-BD59-A6C34878D82A}">
-                    <a16:rowId xmlns:a16="http://schemas.microsoft.com/office/drawing/2014/main" xmlns="" val="1032011197"/>
+                    <a16:rowId xmlns="" xmlns:a16="http://schemas.microsoft.com/office/drawing/2014/main" val="1032011197"/>
                   </a:ext>
                 </a:extLst>
               </a:tr>
@@ -15069,21 +15113,21 @@
                 <a:gridCol w="1728192">
                   <a:extLst>
                     <a:ext uri="{9D8B030D-6E8A-4147-A177-3AD203B41FA5}">
-                      <a16:colId xmlns:a16="http://schemas.microsoft.com/office/drawing/2014/main" xmlns="" val="3974842544"/>
+                      <a16:colId xmlns="" xmlns:a16="http://schemas.microsoft.com/office/drawing/2014/main" val="3974842544"/>
                     </a:ext>
                   </a:extLst>
                 </a:gridCol>
                 <a:gridCol w="5184576">
                   <a:extLst>
                     <a:ext uri="{9D8B030D-6E8A-4147-A177-3AD203B41FA5}">
-                      <a16:colId xmlns:a16="http://schemas.microsoft.com/office/drawing/2014/main" xmlns="" val="786645796"/>
+                      <a16:colId xmlns="" xmlns:a16="http://schemas.microsoft.com/office/drawing/2014/main" val="786645796"/>
                     </a:ext>
                   </a:extLst>
                 </a:gridCol>
                 <a:gridCol w="1440160">
                   <a:extLst>
                     <a:ext uri="{9D8B030D-6E8A-4147-A177-3AD203B41FA5}">
-                      <a16:colId xmlns:a16="http://schemas.microsoft.com/office/drawing/2014/main" xmlns="" val="2408294006"/>
+                      <a16:colId xmlns="" xmlns:a16="http://schemas.microsoft.com/office/drawing/2014/main" val="2408294006"/>
                     </a:ext>
                   </a:extLst>
                 </a:gridCol>
@@ -15130,7 +15174,7 @@
                 </a:tc>
                 <a:extLst>
                   <a:ext uri="{0D108BD9-81ED-4DB2-BD59-A6C34878D82A}">
-                    <a16:rowId xmlns:a16="http://schemas.microsoft.com/office/drawing/2014/main" xmlns="" val="2522839197"/>
+                    <a16:rowId xmlns="" xmlns:a16="http://schemas.microsoft.com/office/drawing/2014/main" val="2522839197"/>
                   </a:ext>
                 </a:extLst>
               </a:tr>
@@ -15224,7 +15268,7 @@
                 </a:tc>
                 <a:extLst>
                   <a:ext uri="{0D108BD9-81ED-4DB2-BD59-A6C34878D82A}">
-                    <a16:rowId xmlns:a16="http://schemas.microsoft.com/office/drawing/2014/main" xmlns="" val="2085448233"/>
+                    <a16:rowId xmlns="" xmlns:a16="http://schemas.microsoft.com/office/drawing/2014/main" val="2085448233"/>
                   </a:ext>
                 </a:extLst>
               </a:tr>
@@ -15280,7 +15324,7 @@
                 </a:tc>
                 <a:extLst>
                   <a:ext uri="{0D108BD9-81ED-4DB2-BD59-A6C34878D82A}">
-                    <a16:rowId xmlns:a16="http://schemas.microsoft.com/office/drawing/2014/main" xmlns="" val="479664106"/>
+                    <a16:rowId xmlns="" xmlns:a16="http://schemas.microsoft.com/office/drawing/2014/main" val="479664106"/>
                   </a:ext>
                 </a:extLst>
               </a:tr>
@@ -15328,7 +15372,7 @@
                 </a:tc>
                 <a:extLst>
                   <a:ext uri="{0D108BD9-81ED-4DB2-BD59-A6C34878D82A}">
-                    <a16:rowId xmlns:a16="http://schemas.microsoft.com/office/drawing/2014/main" xmlns="" val="2812829691"/>
+                    <a16:rowId xmlns="" xmlns:a16="http://schemas.microsoft.com/office/drawing/2014/main" val="2812829691"/>
                   </a:ext>
                 </a:extLst>
               </a:tr>
@@ -15376,7 +15420,7 @@
                 </a:tc>
                 <a:extLst>
                   <a:ext uri="{0D108BD9-81ED-4DB2-BD59-A6C34878D82A}">
-                    <a16:rowId xmlns:a16="http://schemas.microsoft.com/office/drawing/2014/main" xmlns="" val="3065207093"/>
+                    <a16:rowId xmlns="" xmlns:a16="http://schemas.microsoft.com/office/drawing/2014/main" val="3065207093"/>
                   </a:ext>
                 </a:extLst>
               </a:tr>
@@ -15432,7 +15476,7 @@
                 </a:tc>
                 <a:extLst>
                   <a:ext uri="{0D108BD9-81ED-4DB2-BD59-A6C34878D82A}">
-                    <a16:rowId xmlns:a16="http://schemas.microsoft.com/office/drawing/2014/main" xmlns="" val="2637843800"/>
+                    <a16:rowId xmlns="" xmlns:a16="http://schemas.microsoft.com/office/drawing/2014/main" val="2637843800"/>
                   </a:ext>
                 </a:extLst>
               </a:tr>
@@ -15480,7 +15524,7 @@
                 </a:tc>
                 <a:extLst>
                   <a:ext uri="{0D108BD9-81ED-4DB2-BD59-A6C34878D82A}">
-                    <a16:rowId xmlns:a16="http://schemas.microsoft.com/office/drawing/2014/main" xmlns="" val="2492110030"/>
+                    <a16:rowId xmlns="" xmlns:a16="http://schemas.microsoft.com/office/drawing/2014/main" val="2492110030"/>
                   </a:ext>
                 </a:extLst>
               </a:tr>
@@ -15528,7 +15572,7 @@
                 </a:tc>
                 <a:extLst>
                   <a:ext uri="{0D108BD9-81ED-4DB2-BD59-A6C34878D82A}">
-                    <a16:rowId xmlns:a16="http://schemas.microsoft.com/office/drawing/2014/main" xmlns="" val="930772148"/>
+                    <a16:rowId xmlns="" xmlns:a16="http://schemas.microsoft.com/office/drawing/2014/main" val="930772148"/>
                   </a:ext>
                 </a:extLst>
               </a:tr>
@@ -15576,7 +15620,7 @@
                 </a:tc>
                 <a:extLst>
                   <a:ext uri="{0D108BD9-81ED-4DB2-BD59-A6C34878D82A}">
-                    <a16:rowId xmlns:a16="http://schemas.microsoft.com/office/drawing/2014/main" xmlns="" val="2968282085"/>
+                    <a16:rowId xmlns="" xmlns:a16="http://schemas.microsoft.com/office/drawing/2014/main" val="2968282085"/>
                   </a:ext>
                 </a:extLst>
               </a:tr>
@@ -15624,7 +15668,7 @@
                 </a:tc>
                 <a:extLst>
                   <a:ext uri="{0D108BD9-81ED-4DB2-BD59-A6C34878D82A}">
-                    <a16:rowId xmlns:a16="http://schemas.microsoft.com/office/drawing/2014/main" xmlns="" val="2235800461"/>
+                    <a16:rowId xmlns="" xmlns:a16="http://schemas.microsoft.com/office/drawing/2014/main" val="2235800461"/>
                   </a:ext>
                 </a:extLst>
               </a:tr>
@@ -15764,21 +15808,21 @@
                 <a:gridCol w="1728192">
                   <a:extLst>
                     <a:ext uri="{9D8B030D-6E8A-4147-A177-3AD203B41FA5}">
-                      <a16:colId xmlns:a16="http://schemas.microsoft.com/office/drawing/2014/main" xmlns="" val="3974842544"/>
+                      <a16:colId xmlns="" xmlns:a16="http://schemas.microsoft.com/office/drawing/2014/main" val="3974842544"/>
                     </a:ext>
                   </a:extLst>
                 </a:gridCol>
                 <a:gridCol w="5184576">
                   <a:extLst>
                     <a:ext uri="{9D8B030D-6E8A-4147-A177-3AD203B41FA5}">
-                      <a16:colId xmlns:a16="http://schemas.microsoft.com/office/drawing/2014/main" xmlns="" val="786645796"/>
+                      <a16:colId xmlns="" xmlns:a16="http://schemas.microsoft.com/office/drawing/2014/main" val="786645796"/>
                     </a:ext>
                   </a:extLst>
                 </a:gridCol>
                 <a:gridCol w="1440160">
                   <a:extLst>
                     <a:ext uri="{9D8B030D-6E8A-4147-A177-3AD203B41FA5}">
-                      <a16:colId xmlns:a16="http://schemas.microsoft.com/office/drawing/2014/main" xmlns="" val="2408294006"/>
+                      <a16:colId xmlns="" xmlns:a16="http://schemas.microsoft.com/office/drawing/2014/main" val="2408294006"/>
                     </a:ext>
                   </a:extLst>
                 </a:gridCol>
@@ -15825,7 +15869,7 @@
                 </a:tc>
                 <a:extLst>
                   <a:ext uri="{0D108BD9-81ED-4DB2-BD59-A6C34878D82A}">
-                    <a16:rowId xmlns:a16="http://schemas.microsoft.com/office/drawing/2014/main" xmlns="" val="2522839197"/>
+                    <a16:rowId xmlns="" xmlns:a16="http://schemas.microsoft.com/office/drawing/2014/main" val="2522839197"/>
                   </a:ext>
                 </a:extLst>
               </a:tr>
@@ -15907,7 +15951,7 @@
                 </a:tc>
                 <a:extLst>
                   <a:ext uri="{0D108BD9-81ED-4DB2-BD59-A6C34878D82A}">
-                    <a16:rowId xmlns:a16="http://schemas.microsoft.com/office/drawing/2014/main" xmlns="" val="2085448233"/>
+                    <a16:rowId xmlns="" xmlns:a16="http://schemas.microsoft.com/office/drawing/2014/main" val="2085448233"/>
                   </a:ext>
                 </a:extLst>
               </a:tr>
@@ -15955,7 +15999,7 @@
                 </a:tc>
                 <a:extLst>
                   <a:ext uri="{0D108BD9-81ED-4DB2-BD59-A6C34878D82A}">
-                    <a16:rowId xmlns:a16="http://schemas.microsoft.com/office/drawing/2014/main" xmlns="" val="479664106"/>
+                    <a16:rowId xmlns="" xmlns:a16="http://schemas.microsoft.com/office/drawing/2014/main" val="479664106"/>
                   </a:ext>
                 </a:extLst>
               </a:tr>
@@ -16003,7 +16047,7 @@
                 </a:tc>
                 <a:extLst>
                   <a:ext uri="{0D108BD9-81ED-4DB2-BD59-A6C34878D82A}">
-                    <a16:rowId xmlns:a16="http://schemas.microsoft.com/office/drawing/2014/main" xmlns="" val="2812829691"/>
+                    <a16:rowId xmlns="" xmlns:a16="http://schemas.microsoft.com/office/drawing/2014/main" val="2812829691"/>
                   </a:ext>
                 </a:extLst>
               </a:tr>
@@ -16051,7 +16095,7 @@
                 </a:tc>
                 <a:extLst>
                   <a:ext uri="{0D108BD9-81ED-4DB2-BD59-A6C34878D82A}">
-                    <a16:rowId xmlns:a16="http://schemas.microsoft.com/office/drawing/2014/main" xmlns="" val="3065207093"/>
+                    <a16:rowId xmlns="" xmlns:a16="http://schemas.microsoft.com/office/drawing/2014/main" val="3065207093"/>
                   </a:ext>
                 </a:extLst>
               </a:tr>
@@ -16099,7 +16143,7 @@
                 </a:tc>
                 <a:extLst>
                   <a:ext uri="{0D108BD9-81ED-4DB2-BD59-A6C34878D82A}">
-                    <a16:rowId xmlns:a16="http://schemas.microsoft.com/office/drawing/2014/main" xmlns="" val="2637843800"/>
+                    <a16:rowId xmlns="" xmlns:a16="http://schemas.microsoft.com/office/drawing/2014/main" val="2637843800"/>
                   </a:ext>
                 </a:extLst>
               </a:tr>
@@ -16151,7 +16195,7 @@
                 </a:tc>
                 <a:extLst>
                   <a:ext uri="{0D108BD9-81ED-4DB2-BD59-A6C34878D82A}">
-                    <a16:rowId xmlns:a16="http://schemas.microsoft.com/office/drawing/2014/main" xmlns="" val="2492110030"/>
+                    <a16:rowId xmlns="" xmlns:a16="http://schemas.microsoft.com/office/drawing/2014/main" val="2492110030"/>
                   </a:ext>
                 </a:extLst>
               </a:tr>
@@ -28547,142 +28591,6 @@
 </file>
 
 <file path=customXml/item1.xml><?xml version="1.0" encoding="utf-8"?>
-<p:properties xmlns:p="http://schemas.microsoft.com/office/2006/metadata/properties" xmlns:xsi="http://www.w3.org/2001/XMLSchema-instance" xmlns:pc="http://schemas.microsoft.com/office/infopath/2007/PartnerControls">
-  <documentManagement>
-    <LocPublishedLinkedAssetsLookup xmlns="4873beb7-5857-4685-be1f-d57550cc96cc" xsi:nil="true"/>
-    <ApprovalStatus xmlns="4873beb7-5857-4685-be1f-d57550cc96cc">InProgress</ApprovalStatus>
-    <MarketSpecific xmlns="4873beb7-5857-4685-be1f-d57550cc96cc">false</MarketSpecific>
-    <LocComments xmlns="4873beb7-5857-4685-be1f-d57550cc96cc" xsi:nil="true"/>
-    <LocLastLocAttemptVersionTypeLookup xmlns="4873beb7-5857-4685-be1f-d57550cc96cc" xsi:nil="true"/>
-    <DirectSourceMarket xmlns="4873beb7-5857-4685-be1f-d57550cc96cc" xsi:nil="true"/>
-    <ThumbnailAssetId xmlns="4873beb7-5857-4685-be1f-d57550cc96cc" xsi:nil="true"/>
-    <PrimaryImageGen xmlns="4873beb7-5857-4685-be1f-d57550cc96cc">false</PrimaryImageGen>
-    <LocNewPublishedVersionLookup xmlns="4873beb7-5857-4685-be1f-d57550cc96cc" xsi:nil="true"/>
-    <LegacyData xmlns="4873beb7-5857-4685-be1f-d57550cc96cc" xsi:nil="true"/>
-    <LocRecommendedHandoff xmlns="4873beb7-5857-4685-be1f-d57550cc96cc" xsi:nil="true"/>
-    <BusinessGroup xmlns="4873beb7-5857-4685-be1f-d57550cc96cc" xsi:nil="true"/>
-    <BlockPublish xmlns="4873beb7-5857-4685-be1f-d57550cc96cc">false</BlockPublish>
-    <TPFriendlyName xmlns="4873beb7-5857-4685-be1f-d57550cc96cc" xsi:nil="true"/>
-    <LocOverallPublishStatusLookup xmlns="4873beb7-5857-4685-be1f-d57550cc96cc" xsi:nil="true"/>
-    <NumericId xmlns="4873beb7-5857-4685-be1f-d57550cc96cc" xsi:nil="true"/>
-    <APEditor xmlns="4873beb7-5857-4685-be1f-d57550cc96cc">
-      <UserInfo>
-        <DisplayName/>
-        <AccountId xsi:nil="true"/>
-        <AccountType/>
-      </UserInfo>
-    </APEditor>
-    <SourceTitle xmlns="4873beb7-5857-4685-be1f-d57550cc96cc" xsi:nil="true"/>
-    <OpenTemplate xmlns="4873beb7-5857-4685-be1f-d57550cc96cc">true</OpenTemplate>
-    <LocOverallLocStatusLookup xmlns="4873beb7-5857-4685-be1f-d57550cc96cc" xsi:nil="true"/>
-    <UALocComments xmlns="4873beb7-5857-4685-be1f-d57550cc96cc" xsi:nil="true"/>
-    <ParentAssetId xmlns="4873beb7-5857-4685-be1f-d57550cc96cc" xsi:nil="true"/>
-    <IntlLangReviewDate xmlns="4873beb7-5857-4685-be1f-d57550cc96cc" xsi:nil="true"/>
-    <FeatureTagsTaxHTField0 xmlns="4873beb7-5857-4685-be1f-d57550cc96cc">
-      <Terms xmlns="http://schemas.microsoft.com/office/infopath/2007/PartnerControls"/>
-    </FeatureTagsTaxHTField0>
-    <PublishStatusLookup xmlns="4873beb7-5857-4685-be1f-d57550cc96cc">
-      <Value>1345039</Value>
-    </PublishStatusLookup>
-    <Providers xmlns="4873beb7-5857-4685-be1f-d57550cc96cc" xsi:nil="true"/>
-    <MachineTranslated xmlns="4873beb7-5857-4685-be1f-d57550cc96cc">false</MachineTranslated>
-    <OriginalSourceMarket xmlns="4873beb7-5857-4685-be1f-d57550cc96cc" xsi:nil="true"/>
-    <APDescription xmlns="4873beb7-5857-4685-be1f-d57550cc96cc">The bookstacks present on most slides  make this a good choice for students, teachers, reading enthusiasts, and others in education. This presentation template contains multiple slide layouts in widescreen format (16x9) and includes a sample table and chart that you can easily  modify.</APDescription>
-    <ClipArtFilename xmlns="4873beb7-5857-4685-be1f-d57550cc96cc" xsi:nil="true"/>
-    <ContentItem xmlns="4873beb7-5857-4685-be1f-d57550cc96cc" xsi:nil="true"/>
-    <TPInstallLocation xmlns="4873beb7-5857-4685-be1f-d57550cc96cc" xsi:nil="true"/>
-    <PublishTargets xmlns="4873beb7-5857-4685-be1f-d57550cc96cc">OfficeOnlineVNext</PublishTargets>
-    <TimesCloned xmlns="4873beb7-5857-4685-be1f-d57550cc96cc" xsi:nil="true"/>
-    <AssetStart xmlns="4873beb7-5857-4685-be1f-d57550cc96cc">2011-11-26T00:00:00+00:00</AssetStart>
-    <Provider xmlns="4873beb7-5857-4685-be1f-d57550cc96cc" xsi:nil="true"/>
-    <AcquiredFrom xmlns="4873beb7-5857-4685-be1f-d57550cc96cc">Internal MS</AcquiredFrom>
-    <FriendlyTitle xmlns="4873beb7-5857-4685-be1f-d57550cc96cc" xsi:nil="true"/>
-    <LastHandOff xmlns="4873beb7-5857-4685-be1f-d57550cc96cc" xsi:nil="true"/>
-    <TPClientViewer xmlns="4873beb7-5857-4685-be1f-d57550cc96cc" xsi:nil="true"/>
-    <TemplateStatus xmlns="4873beb7-5857-4685-be1f-d57550cc96cc">Complete</TemplateStatus>
-    <Downloads xmlns="4873beb7-5857-4685-be1f-d57550cc96cc">0</Downloads>
-    <OOCacheId xmlns="4873beb7-5857-4685-be1f-d57550cc96cc" xsi:nil="true"/>
-    <IsDeleted xmlns="4873beb7-5857-4685-be1f-d57550cc96cc">false</IsDeleted>
-    <LocPublishedDependentAssetsLookup xmlns="4873beb7-5857-4685-be1f-d57550cc96cc" xsi:nil="true"/>
-    <AssetExpire xmlns="4873beb7-5857-4685-be1f-d57550cc96cc">2029-05-12T07:00:00+00:00</AssetExpire>
-    <DSATActionTaken xmlns="4873beb7-5857-4685-be1f-d57550cc96cc" xsi:nil="true"/>
-    <CSXSubmissionMarket xmlns="4873beb7-5857-4685-be1f-d57550cc96cc" xsi:nil="true"/>
-    <TPExecutable xmlns="4873beb7-5857-4685-be1f-d57550cc96cc" xsi:nil="true"/>
-    <EditorialTags xmlns="4873beb7-5857-4685-be1f-d57550cc96cc" xsi:nil="true"/>
-    <SubmitterId xmlns="4873beb7-5857-4685-be1f-d57550cc96cc" xsi:nil="true"/>
-    <ApprovalLog xmlns="4873beb7-5857-4685-be1f-d57550cc96cc" xsi:nil="true"/>
-    <AssetType xmlns="4873beb7-5857-4685-be1f-d57550cc96cc">TP</AssetType>
-    <BugNumber xmlns="4873beb7-5857-4685-be1f-d57550cc96cc" xsi:nil="true"/>
-    <CSXSubmissionDate xmlns="4873beb7-5857-4685-be1f-d57550cc96cc" xsi:nil="true"/>
-    <CSXUpdate xmlns="4873beb7-5857-4685-be1f-d57550cc96cc">false</CSXUpdate>
-    <Milestone xmlns="4873beb7-5857-4685-be1f-d57550cc96cc" xsi:nil="true"/>
-    <RecommendationsModifier xmlns="4873beb7-5857-4685-be1f-d57550cc96cc" xsi:nil="true"/>
-    <OriginAsset xmlns="4873beb7-5857-4685-be1f-d57550cc96cc" xsi:nil="true"/>
-    <TPComponent xmlns="4873beb7-5857-4685-be1f-d57550cc96cc" xsi:nil="true"/>
-    <AssetId xmlns="4873beb7-5857-4685-be1f-d57550cc96cc">TP102787939</AssetId>
-    <IntlLocPriority xmlns="4873beb7-5857-4685-be1f-d57550cc96cc" xsi:nil="true"/>
-    <PolicheckWords xmlns="4873beb7-5857-4685-be1f-d57550cc96cc" xsi:nil="true"/>
-    <TPLaunchHelpLink xmlns="4873beb7-5857-4685-be1f-d57550cc96cc" xsi:nil="true"/>
-    <TPApplication xmlns="4873beb7-5857-4685-be1f-d57550cc96cc" xsi:nil="true"/>
-    <CrawlForDependencies xmlns="4873beb7-5857-4685-be1f-d57550cc96cc">false</CrawlForDependencies>
-    <HandoffToMSDN xmlns="4873beb7-5857-4685-be1f-d57550cc96cc" xsi:nil="true"/>
-    <PlannedPubDate xmlns="4873beb7-5857-4685-be1f-d57550cc96cc" xsi:nil="true"/>
-    <IntlLangReviewer xmlns="4873beb7-5857-4685-be1f-d57550cc96cc" xsi:nil="true"/>
-    <TrustLevel xmlns="4873beb7-5857-4685-be1f-d57550cc96cc">1 Microsoft Managed Content</TrustLevel>
-    <LocLastLocAttemptVersionLookup xmlns="4873beb7-5857-4685-be1f-d57550cc96cc">694216</LocLastLocAttemptVersionLookup>
-    <LocProcessedForHandoffsLookup xmlns="4873beb7-5857-4685-be1f-d57550cc96cc" xsi:nil="true"/>
-    <IsSearchable xmlns="4873beb7-5857-4685-be1f-d57550cc96cc">true</IsSearchable>
-    <TemplateTemplateType xmlns="4873beb7-5857-4685-be1f-d57550cc96cc">PowerPoint Presentation Template</TemplateTemplateType>
-    <CampaignTagsTaxHTField0 xmlns="4873beb7-5857-4685-be1f-d57550cc96cc">
-      <Terms xmlns="http://schemas.microsoft.com/office/infopath/2007/PartnerControls"/>
-    </CampaignTagsTaxHTField0>
-    <TPNamespace xmlns="4873beb7-5857-4685-be1f-d57550cc96cc" xsi:nil="true"/>
-    <LocOverallPreviewStatusLookup xmlns="4873beb7-5857-4685-be1f-d57550cc96cc" xsi:nil="true"/>
-    <TaxCatchAll xmlns="4873beb7-5857-4685-be1f-d57550cc96cc"/>
-    <Markets xmlns="4873beb7-5857-4685-be1f-d57550cc96cc"/>
-    <UAProjectedTotalWords xmlns="4873beb7-5857-4685-be1f-d57550cc96cc" xsi:nil="true"/>
-    <IntlLangReview xmlns="4873beb7-5857-4685-be1f-d57550cc96cc" xsi:nil="true"/>
-    <OutputCachingOn xmlns="4873beb7-5857-4685-be1f-d57550cc96cc">false</OutputCachingOn>
-    <AverageRating xmlns="4873beb7-5857-4685-be1f-d57550cc96cc" xsi:nil="true"/>
-    <APAuthor xmlns="4873beb7-5857-4685-be1f-d57550cc96cc">
-      <UserInfo>
-        <DisplayName>REDMOND\kristaa</DisplayName>
-        <AccountId>136</AccountId>
-        <AccountType/>
-      </UserInfo>
-    </APAuthor>
-    <LocManualTestRequired xmlns="4873beb7-5857-4685-be1f-d57550cc96cc">false</LocManualTestRequired>
-    <TPCommandLine xmlns="4873beb7-5857-4685-be1f-d57550cc96cc" xsi:nil="true"/>
-    <TPAppVersion xmlns="4873beb7-5857-4685-be1f-d57550cc96cc" xsi:nil="true"/>
-    <EditorialStatus xmlns="4873beb7-5857-4685-be1f-d57550cc96cc">Complete</EditorialStatus>
-    <LastModifiedDateTime xmlns="4873beb7-5857-4685-be1f-d57550cc96cc" xsi:nil="true"/>
-    <ScenarioTagsTaxHTField0 xmlns="4873beb7-5857-4685-be1f-d57550cc96cc">
-      <Terms xmlns="http://schemas.microsoft.com/office/infopath/2007/PartnerControls"/>
-    </ScenarioTagsTaxHTField0>
-    <LocProcessedForMarketsLookup xmlns="4873beb7-5857-4685-be1f-d57550cc96cc" xsi:nil="true"/>
-    <TPLaunchHelpLinkType xmlns="4873beb7-5857-4685-be1f-d57550cc96cc">Template</TPLaunchHelpLinkType>
-    <OriginalRelease xmlns="4873beb7-5857-4685-be1f-d57550cc96cc">15</OriginalRelease>
-    <LocalizationTagsTaxHTField0 xmlns="4873beb7-5857-4685-be1f-d57550cc96cc">
-      <Terms xmlns="http://schemas.microsoft.com/office/infopath/2007/PartnerControls"/>
-    </LocalizationTagsTaxHTField0>
-    <UACurrentWords xmlns="4873beb7-5857-4685-be1f-d57550cc96cc" xsi:nil="true"/>
-    <ArtSampleDocs xmlns="4873beb7-5857-4685-be1f-d57550cc96cc" xsi:nil="true"/>
-    <UALocRecommendation xmlns="4873beb7-5857-4685-be1f-d57550cc96cc">Localize</UALocRecommendation>
-    <Manager xmlns="4873beb7-5857-4685-be1f-d57550cc96cc" xsi:nil="true"/>
-    <LocOverallHandbackStatusLookup xmlns="4873beb7-5857-4685-be1f-d57550cc96cc" xsi:nil="true"/>
-    <ShowIn xmlns="4873beb7-5857-4685-be1f-d57550cc96cc">Show everywhere</ShowIn>
-    <UANotes xmlns="4873beb7-5857-4685-be1f-d57550cc96cc" xsi:nil="true"/>
-    <InternalTagsTaxHTField0 xmlns="4873beb7-5857-4685-be1f-d57550cc96cc">
-      <Terms xmlns="http://schemas.microsoft.com/office/infopath/2007/PartnerControls"/>
-    </InternalTagsTaxHTField0>
-    <CSXHash xmlns="4873beb7-5857-4685-be1f-d57550cc96cc" xsi:nil="true"/>
-    <VoteCount xmlns="4873beb7-5857-4685-be1f-d57550cc96cc" xsi:nil="true"/>
-    <LocMarketGroupTiers2 xmlns="4873beb7-5857-4685-be1f-d57550cc96cc" xsi:nil="true"/>
-  </documentManagement>
-</p:properties>
-</file>
-
-<file path=customXml/item2.xml><?xml version="1.0" encoding="utf-8"?>
 <ct:contentTypeSchema xmlns:ct="http://schemas.microsoft.com/office/2006/metadata/contentType" xmlns:ma="http://schemas.microsoft.com/office/2006/metadata/properties/metaAttributes" ct:_="" ma:_="" ma:contentTypeName="TemplateFile" ma:contentTypeID="0x0101006EDDDB5EE6D98C44930B742096920B300400F5B6D36B3EF94B4E9A635CDF2A18F5B8" ma:contentTypeVersion="72" ma:contentTypeDescription="Create a new document." ma:contentTypeScope="" ma:versionID="a23e56308344d904b51738559c3d67c9">
   <xsd:schema xmlns:xsd="http://www.w3.org/2001/XMLSchema" xmlns:xs="http://www.w3.org/2001/XMLSchema" xmlns:p="http://schemas.microsoft.com/office/2006/metadata/properties" xmlns:ns2="4873beb7-5857-4685-be1f-d57550cc96cc" targetNamespace="http://schemas.microsoft.com/office/2006/metadata/properties" ma:root="true" ma:fieldsID="cd0908cc4600e77bf5da051303e00c8d" ns2:_="">
     <xsd:import namespace="4873beb7-5857-4685-be1f-d57550cc96cc"/>
@@ -29722,7 +29630,7 @@
 </ct:contentTypeSchema>
 </file>
 
-<file path=customXml/item3.xml><?xml version="1.0" encoding="utf-8"?>
+<file path=customXml/item2.xml><?xml version="1.0" encoding="utf-8"?>
 <?mso-contentType ?>
 <FormTemplates xmlns="http://schemas.microsoft.com/sharepoint/v3/contenttype/forms">
   <Display>DocumentLibraryForm</Display>
@@ -29731,23 +29639,143 @@
 </FormTemplates>
 </file>
 
-<file path=customXml/itemProps1.xml><?xml version="1.0" encoding="utf-8"?>
-<ds:datastoreItem xmlns:ds="http://schemas.openxmlformats.org/officeDocument/2006/customXml" ds:itemID="{F301D382-32B0-43EE-932C-28906AF37617}">
-  <ds:schemaRefs>
-    <ds:schemaRef ds:uri="http://purl.org/dc/terms/"/>
-    <ds:schemaRef ds:uri="http://schemas.microsoft.com/office/2006/documentManagement/types"/>
-    <ds:schemaRef ds:uri="4873beb7-5857-4685-be1f-d57550cc96cc"/>
-    <ds:schemaRef ds:uri="http://purl.org/dc/elements/1.1/"/>
-    <ds:schemaRef ds:uri="http://schemas.microsoft.com/office/2006/metadata/properties"/>
-    <ds:schemaRef ds:uri="http://schemas.microsoft.com/office/infopath/2007/PartnerControls"/>
-    <ds:schemaRef ds:uri="http://schemas.openxmlformats.org/package/2006/metadata/core-properties"/>
-    <ds:schemaRef ds:uri="http://www.w3.org/XML/1998/namespace"/>
-    <ds:schemaRef ds:uri="http://purl.org/dc/dcmitype/"/>
-  </ds:schemaRefs>
-</ds:datastoreItem>
+<file path=customXml/item3.xml><?xml version="1.0" encoding="utf-8"?>
+<p:properties xmlns:p="http://schemas.microsoft.com/office/2006/metadata/properties" xmlns:xsi="http://www.w3.org/2001/XMLSchema-instance" xmlns:pc="http://schemas.microsoft.com/office/infopath/2007/PartnerControls">
+  <documentManagement>
+    <LocPublishedLinkedAssetsLookup xmlns="4873beb7-5857-4685-be1f-d57550cc96cc" xsi:nil="true"/>
+    <ApprovalStatus xmlns="4873beb7-5857-4685-be1f-d57550cc96cc">InProgress</ApprovalStatus>
+    <MarketSpecific xmlns="4873beb7-5857-4685-be1f-d57550cc96cc">false</MarketSpecific>
+    <LocComments xmlns="4873beb7-5857-4685-be1f-d57550cc96cc" xsi:nil="true"/>
+    <LocLastLocAttemptVersionTypeLookup xmlns="4873beb7-5857-4685-be1f-d57550cc96cc" xsi:nil="true"/>
+    <DirectSourceMarket xmlns="4873beb7-5857-4685-be1f-d57550cc96cc" xsi:nil="true"/>
+    <ThumbnailAssetId xmlns="4873beb7-5857-4685-be1f-d57550cc96cc" xsi:nil="true"/>
+    <PrimaryImageGen xmlns="4873beb7-5857-4685-be1f-d57550cc96cc">false</PrimaryImageGen>
+    <LocNewPublishedVersionLookup xmlns="4873beb7-5857-4685-be1f-d57550cc96cc" xsi:nil="true"/>
+    <LegacyData xmlns="4873beb7-5857-4685-be1f-d57550cc96cc" xsi:nil="true"/>
+    <LocRecommendedHandoff xmlns="4873beb7-5857-4685-be1f-d57550cc96cc" xsi:nil="true"/>
+    <BusinessGroup xmlns="4873beb7-5857-4685-be1f-d57550cc96cc" xsi:nil="true"/>
+    <BlockPublish xmlns="4873beb7-5857-4685-be1f-d57550cc96cc">false</BlockPublish>
+    <TPFriendlyName xmlns="4873beb7-5857-4685-be1f-d57550cc96cc" xsi:nil="true"/>
+    <LocOverallPublishStatusLookup xmlns="4873beb7-5857-4685-be1f-d57550cc96cc" xsi:nil="true"/>
+    <NumericId xmlns="4873beb7-5857-4685-be1f-d57550cc96cc" xsi:nil="true"/>
+    <APEditor xmlns="4873beb7-5857-4685-be1f-d57550cc96cc">
+      <UserInfo>
+        <DisplayName/>
+        <AccountId xsi:nil="true"/>
+        <AccountType/>
+      </UserInfo>
+    </APEditor>
+    <SourceTitle xmlns="4873beb7-5857-4685-be1f-d57550cc96cc" xsi:nil="true"/>
+    <OpenTemplate xmlns="4873beb7-5857-4685-be1f-d57550cc96cc">true</OpenTemplate>
+    <LocOverallLocStatusLookup xmlns="4873beb7-5857-4685-be1f-d57550cc96cc" xsi:nil="true"/>
+    <UALocComments xmlns="4873beb7-5857-4685-be1f-d57550cc96cc" xsi:nil="true"/>
+    <ParentAssetId xmlns="4873beb7-5857-4685-be1f-d57550cc96cc" xsi:nil="true"/>
+    <IntlLangReviewDate xmlns="4873beb7-5857-4685-be1f-d57550cc96cc" xsi:nil="true"/>
+    <FeatureTagsTaxHTField0 xmlns="4873beb7-5857-4685-be1f-d57550cc96cc">
+      <Terms xmlns="http://schemas.microsoft.com/office/infopath/2007/PartnerControls"/>
+    </FeatureTagsTaxHTField0>
+    <PublishStatusLookup xmlns="4873beb7-5857-4685-be1f-d57550cc96cc">
+      <Value>1345039</Value>
+    </PublishStatusLookup>
+    <Providers xmlns="4873beb7-5857-4685-be1f-d57550cc96cc" xsi:nil="true"/>
+    <MachineTranslated xmlns="4873beb7-5857-4685-be1f-d57550cc96cc">false</MachineTranslated>
+    <OriginalSourceMarket xmlns="4873beb7-5857-4685-be1f-d57550cc96cc" xsi:nil="true"/>
+    <APDescription xmlns="4873beb7-5857-4685-be1f-d57550cc96cc">The bookstacks present on most slides  make this a good choice for students, teachers, reading enthusiasts, and others in education. This presentation template contains multiple slide layouts in widescreen format (16x9) and includes a sample table and chart that you can easily  modify.</APDescription>
+    <ClipArtFilename xmlns="4873beb7-5857-4685-be1f-d57550cc96cc" xsi:nil="true"/>
+    <ContentItem xmlns="4873beb7-5857-4685-be1f-d57550cc96cc" xsi:nil="true"/>
+    <TPInstallLocation xmlns="4873beb7-5857-4685-be1f-d57550cc96cc" xsi:nil="true"/>
+    <PublishTargets xmlns="4873beb7-5857-4685-be1f-d57550cc96cc">OfficeOnlineVNext</PublishTargets>
+    <TimesCloned xmlns="4873beb7-5857-4685-be1f-d57550cc96cc" xsi:nil="true"/>
+    <AssetStart xmlns="4873beb7-5857-4685-be1f-d57550cc96cc">2011-11-26T00:00:00+00:00</AssetStart>
+    <Provider xmlns="4873beb7-5857-4685-be1f-d57550cc96cc" xsi:nil="true"/>
+    <AcquiredFrom xmlns="4873beb7-5857-4685-be1f-d57550cc96cc">Internal MS</AcquiredFrom>
+    <FriendlyTitle xmlns="4873beb7-5857-4685-be1f-d57550cc96cc" xsi:nil="true"/>
+    <LastHandOff xmlns="4873beb7-5857-4685-be1f-d57550cc96cc" xsi:nil="true"/>
+    <TPClientViewer xmlns="4873beb7-5857-4685-be1f-d57550cc96cc" xsi:nil="true"/>
+    <TemplateStatus xmlns="4873beb7-5857-4685-be1f-d57550cc96cc">Complete</TemplateStatus>
+    <Downloads xmlns="4873beb7-5857-4685-be1f-d57550cc96cc">0</Downloads>
+    <OOCacheId xmlns="4873beb7-5857-4685-be1f-d57550cc96cc" xsi:nil="true"/>
+    <IsDeleted xmlns="4873beb7-5857-4685-be1f-d57550cc96cc">false</IsDeleted>
+    <LocPublishedDependentAssetsLookup xmlns="4873beb7-5857-4685-be1f-d57550cc96cc" xsi:nil="true"/>
+    <AssetExpire xmlns="4873beb7-5857-4685-be1f-d57550cc96cc">2029-05-12T07:00:00+00:00</AssetExpire>
+    <DSATActionTaken xmlns="4873beb7-5857-4685-be1f-d57550cc96cc" xsi:nil="true"/>
+    <CSXSubmissionMarket xmlns="4873beb7-5857-4685-be1f-d57550cc96cc" xsi:nil="true"/>
+    <TPExecutable xmlns="4873beb7-5857-4685-be1f-d57550cc96cc" xsi:nil="true"/>
+    <EditorialTags xmlns="4873beb7-5857-4685-be1f-d57550cc96cc" xsi:nil="true"/>
+    <SubmitterId xmlns="4873beb7-5857-4685-be1f-d57550cc96cc" xsi:nil="true"/>
+    <ApprovalLog xmlns="4873beb7-5857-4685-be1f-d57550cc96cc" xsi:nil="true"/>
+    <AssetType xmlns="4873beb7-5857-4685-be1f-d57550cc96cc">TP</AssetType>
+    <BugNumber xmlns="4873beb7-5857-4685-be1f-d57550cc96cc" xsi:nil="true"/>
+    <CSXSubmissionDate xmlns="4873beb7-5857-4685-be1f-d57550cc96cc" xsi:nil="true"/>
+    <CSXUpdate xmlns="4873beb7-5857-4685-be1f-d57550cc96cc">false</CSXUpdate>
+    <Milestone xmlns="4873beb7-5857-4685-be1f-d57550cc96cc" xsi:nil="true"/>
+    <RecommendationsModifier xmlns="4873beb7-5857-4685-be1f-d57550cc96cc" xsi:nil="true"/>
+    <OriginAsset xmlns="4873beb7-5857-4685-be1f-d57550cc96cc" xsi:nil="true"/>
+    <TPComponent xmlns="4873beb7-5857-4685-be1f-d57550cc96cc" xsi:nil="true"/>
+    <AssetId xmlns="4873beb7-5857-4685-be1f-d57550cc96cc">TP102787939</AssetId>
+    <IntlLocPriority xmlns="4873beb7-5857-4685-be1f-d57550cc96cc" xsi:nil="true"/>
+    <PolicheckWords xmlns="4873beb7-5857-4685-be1f-d57550cc96cc" xsi:nil="true"/>
+    <TPLaunchHelpLink xmlns="4873beb7-5857-4685-be1f-d57550cc96cc" xsi:nil="true"/>
+    <TPApplication xmlns="4873beb7-5857-4685-be1f-d57550cc96cc" xsi:nil="true"/>
+    <CrawlForDependencies xmlns="4873beb7-5857-4685-be1f-d57550cc96cc">false</CrawlForDependencies>
+    <HandoffToMSDN xmlns="4873beb7-5857-4685-be1f-d57550cc96cc" xsi:nil="true"/>
+    <PlannedPubDate xmlns="4873beb7-5857-4685-be1f-d57550cc96cc" xsi:nil="true"/>
+    <IntlLangReviewer xmlns="4873beb7-5857-4685-be1f-d57550cc96cc" xsi:nil="true"/>
+    <TrustLevel xmlns="4873beb7-5857-4685-be1f-d57550cc96cc">1 Microsoft Managed Content</TrustLevel>
+    <LocLastLocAttemptVersionLookup xmlns="4873beb7-5857-4685-be1f-d57550cc96cc">694216</LocLastLocAttemptVersionLookup>
+    <LocProcessedForHandoffsLookup xmlns="4873beb7-5857-4685-be1f-d57550cc96cc" xsi:nil="true"/>
+    <IsSearchable xmlns="4873beb7-5857-4685-be1f-d57550cc96cc">true</IsSearchable>
+    <TemplateTemplateType xmlns="4873beb7-5857-4685-be1f-d57550cc96cc">PowerPoint Presentation Template</TemplateTemplateType>
+    <CampaignTagsTaxHTField0 xmlns="4873beb7-5857-4685-be1f-d57550cc96cc">
+      <Terms xmlns="http://schemas.microsoft.com/office/infopath/2007/PartnerControls"/>
+    </CampaignTagsTaxHTField0>
+    <TPNamespace xmlns="4873beb7-5857-4685-be1f-d57550cc96cc" xsi:nil="true"/>
+    <LocOverallPreviewStatusLookup xmlns="4873beb7-5857-4685-be1f-d57550cc96cc" xsi:nil="true"/>
+    <TaxCatchAll xmlns="4873beb7-5857-4685-be1f-d57550cc96cc"/>
+    <Markets xmlns="4873beb7-5857-4685-be1f-d57550cc96cc"/>
+    <UAProjectedTotalWords xmlns="4873beb7-5857-4685-be1f-d57550cc96cc" xsi:nil="true"/>
+    <IntlLangReview xmlns="4873beb7-5857-4685-be1f-d57550cc96cc" xsi:nil="true"/>
+    <OutputCachingOn xmlns="4873beb7-5857-4685-be1f-d57550cc96cc">false</OutputCachingOn>
+    <AverageRating xmlns="4873beb7-5857-4685-be1f-d57550cc96cc" xsi:nil="true"/>
+    <APAuthor xmlns="4873beb7-5857-4685-be1f-d57550cc96cc">
+      <UserInfo>
+        <DisplayName>REDMOND\kristaa</DisplayName>
+        <AccountId>136</AccountId>
+        <AccountType/>
+      </UserInfo>
+    </APAuthor>
+    <LocManualTestRequired xmlns="4873beb7-5857-4685-be1f-d57550cc96cc">false</LocManualTestRequired>
+    <TPCommandLine xmlns="4873beb7-5857-4685-be1f-d57550cc96cc" xsi:nil="true"/>
+    <TPAppVersion xmlns="4873beb7-5857-4685-be1f-d57550cc96cc" xsi:nil="true"/>
+    <EditorialStatus xmlns="4873beb7-5857-4685-be1f-d57550cc96cc">Complete</EditorialStatus>
+    <LastModifiedDateTime xmlns="4873beb7-5857-4685-be1f-d57550cc96cc" xsi:nil="true"/>
+    <ScenarioTagsTaxHTField0 xmlns="4873beb7-5857-4685-be1f-d57550cc96cc">
+      <Terms xmlns="http://schemas.microsoft.com/office/infopath/2007/PartnerControls"/>
+    </ScenarioTagsTaxHTField0>
+    <LocProcessedForMarketsLookup xmlns="4873beb7-5857-4685-be1f-d57550cc96cc" xsi:nil="true"/>
+    <TPLaunchHelpLinkType xmlns="4873beb7-5857-4685-be1f-d57550cc96cc">Template</TPLaunchHelpLinkType>
+    <OriginalRelease xmlns="4873beb7-5857-4685-be1f-d57550cc96cc">15</OriginalRelease>
+    <LocalizationTagsTaxHTField0 xmlns="4873beb7-5857-4685-be1f-d57550cc96cc">
+      <Terms xmlns="http://schemas.microsoft.com/office/infopath/2007/PartnerControls"/>
+    </LocalizationTagsTaxHTField0>
+    <UACurrentWords xmlns="4873beb7-5857-4685-be1f-d57550cc96cc" xsi:nil="true"/>
+    <ArtSampleDocs xmlns="4873beb7-5857-4685-be1f-d57550cc96cc" xsi:nil="true"/>
+    <UALocRecommendation xmlns="4873beb7-5857-4685-be1f-d57550cc96cc">Localize</UALocRecommendation>
+    <Manager xmlns="4873beb7-5857-4685-be1f-d57550cc96cc" xsi:nil="true"/>
+    <LocOverallHandbackStatusLookup xmlns="4873beb7-5857-4685-be1f-d57550cc96cc" xsi:nil="true"/>
+    <ShowIn xmlns="4873beb7-5857-4685-be1f-d57550cc96cc">Show everywhere</ShowIn>
+    <UANotes xmlns="4873beb7-5857-4685-be1f-d57550cc96cc" xsi:nil="true"/>
+    <InternalTagsTaxHTField0 xmlns="4873beb7-5857-4685-be1f-d57550cc96cc">
+      <Terms xmlns="http://schemas.microsoft.com/office/infopath/2007/PartnerControls"/>
+    </InternalTagsTaxHTField0>
+    <CSXHash xmlns="4873beb7-5857-4685-be1f-d57550cc96cc" xsi:nil="true"/>
+    <VoteCount xmlns="4873beb7-5857-4685-be1f-d57550cc96cc" xsi:nil="true"/>
+    <LocMarketGroupTiers2 xmlns="4873beb7-5857-4685-be1f-d57550cc96cc" xsi:nil="true"/>
+  </documentManagement>
+</p:properties>
 </file>
 
-<file path=customXml/itemProps2.xml><?xml version="1.0" encoding="utf-8"?>
+<file path=customXml/itemProps1.xml><?xml version="1.0" encoding="utf-8"?>
 <ds:datastoreItem xmlns:ds="http://schemas.openxmlformats.org/officeDocument/2006/customXml" ds:itemID="{BBB5C329-08A6-4E5E-AEF1-A97828C87411}">
   <ds:schemaRefs>
     <ds:schemaRef ds:uri="http://schemas.microsoft.com/office/2006/metadata/contentType"/>
@@ -29765,10 +29793,26 @@
 </ds:datastoreItem>
 </file>
 
-<file path=customXml/itemProps3.xml><?xml version="1.0" encoding="utf-8"?>
+<file path=customXml/itemProps2.xml><?xml version="1.0" encoding="utf-8"?>
 <ds:datastoreItem xmlns:ds="http://schemas.openxmlformats.org/officeDocument/2006/customXml" ds:itemID="{E1B558C7-619B-49BE-9097-7FCBDADD4ECE}">
   <ds:schemaRefs>
     <ds:schemaRef ds:uri="http://schemas.microsoft.com/sharepoint/v3/contenttype/forms"/>
   </ds:schemaRefs>
 </ds:datastoreItem>
+</file>
+
+<file path=customXml/itemProps3.xml><?xml version="1.0" encoding="utf-8"?>
+<ds:datastoreItem xmlns:ds="http://schemas.openxmlformats.org/officeDocument/2006/customXml" ds:itemID="{F301D382-32B0-43EE-932C-28906AF37617}">
+  <ds:schemaRefs>
+    <ds:schemaRef ds:uri="http://purl.org/dc/terms/"/>
+    <ds:schemaRef ds:uri="http://schemas.microsoft.com/office/2006/documentManagement/types"/>
+    <ds:schemaRef ds:uri="4873beb7-5857-4685-be1f-d57550cc96cc"/>
+    <ds:schemaRef ds:uri="http://purl.org/dc/elements/1.1/"/>
+    <ds:schemaRef ds:uri="http://schemas.microsoft.com/office/2006/metadata/properties"/>
+    <ds:schemaRef ds:uri="http://schemas.microsoft.com/office/infopath/2007/PartnerControls"/>
+    <ds:schemaRef ds:uri="http://schemas.openxmlformats.org/package/2006/metadata/core-properties"/>
+    <ds:schemaRef ds:uri="http://www.w3.org/XML/1998/namespace"/>
+    <ds:schemaRef ds:uri="http://purl.org/dc/dcmitype/"/>
+  </ds:schemaRefs>
+</ds:datastoreItem>
 </file>